--- a/NewThesis/LaTex-template-package/Drawing4/multipleLogging.pptx
+++ b/NewThesis/LaTex-template-package/Drawing4/multipleLogging.pptx
@@ -243,7 +243,7 @@
           <a:p>
             <a:fld id="{18A28253-4B93-4F10-A248-DA5D859E28EF}" type="datetimeFigureOut">
               <a:rPr lang="en-US" smtClean="0"/>
-              <a:t>6/5/2016</a:t>
+              <a:t>7/19/2016</a:t>
             </a:fld>
             <a:endParaRPr lang="en-US"/>
           </a:p>
@@ -413,7 +413,7 @@
           <a:p>
             <a:fld id="{18A28253-4B93-4F10-A248-DA5D859E28EF}" type="datetimeFigureOut">
               <a:rPr lang="en-US" smtClean="0"/>
-              <a:t>6/5/2016</a:t>
+              <a:t>7/19/2016</a:t>
             </a:fld>
             <a:endParaRPr lang="en-US"/>
           </a:p>
@@ -593,7 +593,7 @@
           <a:p>
             <a:fld id="{18A28253-4B93-4F10-A248-DA5D859E28EF}" type="datetimeFigureOut">
               <a:rPr lang="en-US" smtClean="0"/>
-              <a:t>6/5/2016</a:t>
+              <a:t>7/19/2016</a:t>
             </a:fld>
             <a:endParaRPr lang="en-US"/>
           </a:p>
@@ -763,7 +763,7 @@
           <a:p>
             <a:fld id="{18A28253-4B93-4F10-A248-DA5D859E28EF}" type="datetimeFigureOut">
               <a:rPr lang="en-US" smtClean="0"/>
-              <a:t>6/5/2016</a:t>
+              <a:t>7/19/2016</a:t>
             </a:fld>
             <a:endParaRPr lang="en-US"/>
           </a:p>
@@ -1009,7 +1009,7 @@
           <a:p>
             <a:fld id="{18A28253-4B93-4F10-A248-DA5D859E28EF}" type="datetimeFigureOut">
               <a:rPr lang="en-US" smtClean="0"/>
-              <a:t>6/5/2016</a:t>
+              <a:t>7/19/2016</a:t>
             </a:fld>
             <a:endParaRPr lang="en-US"/>
           </a:p>
@@ -1241,7 +1241,7 @@
           <a:p>
             <a:fld id="{18A28253-4B93-4F10-A248-DA5D859E28EF}" type="datetimeFigureOut">
               <a:rPr lang="en-US" smtClean="0"/>
-              <a:t>6/5/2016</a:t>
+              <a:t>7/19/2016</a:t>
             </a:fld>
             <a:endParaRPr lang="en-US"/>
           </a:p>
@@ -1608,7 +1608,7 @@
           <a:p>
             <a:fld id="{18A28253-4B93-4F10-A248-DA5D859E28EF}" type="datetimeFigureOut">
               <a:rPr lang="en-US" smtClean="0"/>
-              <a:t>6/5/2016</a:t>
+              <a:t>7/19/2016</a:t>
             </a:fld>
             <a:endParaRPr lang="en-US"/>
           </a:p>
@@ -1726,7 +1726,7 @@
           <a:p>
             <a:fld id="{18A28253-4B93-4F10-A248-DA5D859E28EF}" type="datetimeFigureOut">
               <a:rPr lang="en-US" smtClean="0"/>
-              <a:t>6/5/2016</a:t>
+              <a:t>7/19/2016</a:t>
             </a:fld>
             <a:endParaRPr lang="en-US"/>
           </a:p>
@@ -1821,7 +1821,7 @@
           <a:p>
             <a:fld id="{18A28253-4B93-4F10-A248-DA5D859E28EF}" type="datetimeFigureOut">
               <a:rPr lang="en-US" smtClean="0"/>
-              <a:t>6/5/2016</a:t>
+              <a:t>7/19/2016</a:t>
             </a:fld>
             <a:endParaRPr lang="en-US"/>
           </a:p>
@@ -2098,7 +2098,7 @@
           <a:p>
             <a:fld id="{18A28253-4B93-4F10-A248-DA5D859E28EF}" type="datetimeFigureOut">
               <a:rPr lang="en-US" smtClean="0"/>
-              <a:t>6/5/2016</a:t>
+              <a:t>7/19/2016</a:t>
             </a:fld>
             <a:endParaRPr lang="en-US"/>
           </a:p>
@@ -2355,7 +2355,7 @@
           <a:p>
             <a:fld id="{18A28253-4B93-4F10-A248-DA5D859E28EF}" type="datetimeFigureOut">
               <a:rPr lang="en-US" smtClean="0"/>
-              <a:t>6/5/2016</a:t>
+              <a:t>7/19/2016</a:t>
             </a:fld>
             <a:endParaRPr lang="en-US"/>
           </a:p>
@@ -2568,7 +2568,7 @@
           <a:p>
             <a:fld id="{18A28253-4B93-4F10-A248-DA5D859E28EF}" type="datetimeFigureOut">
               <a:rPr lang="en-US" smtClean="0"/>
-              <a:t>6/5/2016</a:t>
+              <a:t>7/19/2016</a:t>
             </a:fld>
             <a:endParaRPr lang="en-US"/>
           </a:p>
@@ -3014,23 +3014,36 @@
           <a:p>
             <a:pPr algn="ctr"/>
             <a:r>
-              <a:rPr lang="en-US" sz="2158" dirty="0">
+              <a:rPr lang="en-US" sz="2158" dirty="0" smtClean="0">
                 <a:solidFill>
                   <a:schemeClr val="tx1"/>
                 </a:solidFill>
               </a:rPr>
-              <a:t>Class</a:t>
-            </a:r>
+              <a:t>Method</a:t>
+            </a:r>
+            <a:endParaRPr lang="en-US" sz="2158" dirty="0">
+              <a:solidFill>
+                <a:schemeClr val="tx1"/>
+              </a:solidFill>
+            </a:endParaRPr>
           </a:p>
           <a:p>
             <a:pPr algn="ctr"/>
             <a:r>
+              <a:rPr lang="en-US" sz="2158" b="1" dirty="0" smtClean="0">
+                <a:solidFill>
+                  <a:schemeClr val="tx1"/>
+                </a:solidFill>
+              </a:rPr>
+              <a:t>method </a:t>
+            </a:r>
+            <a:r>
               <a:rPr lang="en-US" sz="2158" b="1" dirty="0">
                 <a:solidFill>
                   <a:schemeClr val="tx1"/>
                 </a:solidFill>
               </a:rPr>
-              <a:t>test 2</a:t>
+              <a:t>2</a:t>
             </a:r>
           </a:p>
         </p:txBody>
@@ -3076,12 +3089,12 @@
           <a:p>
             <a:pPr algn="ctr"/>
             <a:r>
-              <a:rPr lang="en-US" sz="2158" dirty="0">
+              <a:rPr lang="en-US" sz="2158" dirty="0" smtClean="0">
                 <a:solidFill>
                   <a:schemeClr val="tx1"/>
                 </a:solidFill>
               </a:rPr>
-              <a:t>Method </a:t>
+              <a:t>If Statement </a:t>
             </a:r>
           </a:p>
           <a:p>
@@ -3092,8 +3105,29 @@
                   <a:schemeClr val="tx1"/>
                 </a:solidFill>
               </a:rPr>
-              <a:t>Method 3</a:t>
-            </a:r>
+              <a:t>i</a:t>
+            </a:r>
+            <a:r>
+              <a:rPr lang="en-US" sz="2158" b="1" smtClean="0">
+                <a:solidFill>
+                  <a:schemeClr val="tx1"/>
+                </a:solidFill>
+              </a:rPr>
+              <a:t>f </a:t>
+            </a:r>
+            <a:r>
+              <a:rPr lang="en-US" sz="2158" b="1" dirty="0" smtClean="0">
+                <a:solidFill>
+                  <a:schemeClr val="tx1"/>
+                </a:solidFill>
+              </a:rPr>
+              <a:t>statement 3</a:t>
+            </a:r>
+            <a:endParaRPr lang="en-US" sz="2158" b="1" dirty="0">
+              <a:solidFill>
+                <a:schemeClr val="tx1"/>
+              </a:solidFill>
+            </a:endParaRPr>
           </a:p>
         </p:txBody>
       </p:sp>
@@ -3348,24 +3382,34 @@
           <a:p>
             <a:pPr algn="ctr"/>
             <a:r>
-              <a:rPr lang="en-US" sz="2158" dirty="0">
+              <a:rPr lang="en-US" sz="2158" dirty="0" smtClean="0">
                 <a:solidFill>
                   <a:schemeClr val="tx1"/>
                 </a:solidFill>
               </a:rPr>
-              <a:t>Class </a:t>
-            </a:r>
+              <a:t>Method </a:t>
+            </a:r>
+            <a:endParaRPr lang="en-US" sz="2158" dirty="0">
+              <a:solidFill>
+                <a:schemeClr val="tx1"/>
+              </a:solidFill>
+            </a:endParaRPr>
           </a:p>
           <a:p>
             <a:pPr algn="ctr"/>
             <a:r>
-              <a:rPr lang="en-US" sz="2158" b="1" dirty="0">
+              <a:rPr lang="en-US" sz="2158" b="1" dirty="0" smtClean="0">
                 <a:solidFill>
                   <a:schemeClr val="tx1"/>
                 </a:solidFill>
               </a:rPr>
-              <a:t>test 1</a:t>
-            </a:r>
+              <a:t>method1</a:t>
+            </a:r>
+            <a:endParaRPr lang="en-US" sz="2158" b="1" dirty="0">
+              <a:solidFill>
+                <a:schemeClr val="tx1"/>
+              </a:solidFill>
+            </a:endParaRPr>
           </a:p>
         </p:txBody>
       </p:sp>
@@ -3410,13 +3454,18 @@
           <a:p>
             <a:pPr algn="ctr"/>
             <a:r>
-              <a:rPr lang="en-US" sz="2158" dirty="0">
+              <a:rPr lang="en-US" sz="2158" dirty="0" smtClean="0">
                 <a:solidFill>
                   <a:schemeClr val="tx1"/>
                 </a:solidFill>
               </a:rPr>
-              <a:t>Method</a:t>
-            </a:r>
+              <a:t>If Statement</a:t>
+            </a:r>
+            <a:endParaRPr lang="en-US" sz="2158" dirty="0">
+              <a:solidFill>
+                <a:schemeClr val="tx1"/>
+              </a:solidFill>
+            </a:endParaRPr>
           </a:p>
           <a:p>
             <a:pPr algn="ctr"/>
@@ -3426,8 +3475,29 @@
                   <a:schemeClr val="tx1"/>
                 </a:solidFill>
               </a:rPr>
-              <a:t>method 1</a:t>
-            </a:r>
+              <a:t>i</a:t>
+            </a:r>
+            <a:r>
+              <a:rPr lang="en-US" sz="2158" b="1" dirty="0" smtClean="0">
+                <a:solidFill>
+                  <a:schemeClr val="tx1"/>
+                </a:solidFill>
+              </a:rPr>
+              <a:t>f </a:t>
+            </a:r>
+            <a:r>
+              <a:rPr lang="en-US" sz="2158" b="1" dirty="0" smtClean="0">
+                <a:solidFill>
+                  <a:schemeClr val="tx1"/>
+                </a:solidFill>
+              </a:rPr>
+              <a:t>statement 1</a:t>
+            </a:r>
+            <a:endParaRPr lang="en-US" sz="2158" b="1" dirty="0">
+              <a:solidFill>
+                <a:schemeClr val="tx1"/>
+              </a:solidFill>
+            </a:endParaRPr>
           </a:p>
         </p:txBody>
       </p:sp>
@@ -3894,15 +3964,7 @@
                   <a:srgbClr val="FF0000"/>
                 </a:solidFill>
               </a:rPr>
-              <a:t>og </a:t>
-            </a:r>
-            <a:r>
-              <a:rPr lang="en-US" sz="2158" b="1" dirty="0" smtClean="0">
-                <a:solidFill>
-                  <a:srgbClr val="FF0000"/>
-                </a:solidFill>
-              </a:rPr>
-              <a:t>4</a:t>
+              <a:t>og 4</a:t>
             </a:r>
             <a:endParaRPr lang="en-US" sz="2158" b="1" dirty="0">
               <a:solidFill>
@@ -3963,13 +4025,18 @@
           <a:p>
             <a:pPr algn="ctr"/>
             <a:r>
-              <a:rPr lang="en-US" sz="2158" dirty="0">
+              <a:rPr lang="en-US" sz="2158" dirty="0" smtClean="0">
                 <a:solidFill>
                   <a:schemeClr val="tx1"/>
                 </a:solidFill>
               </a:rPr>
-              <a:t>Method</a:t>
-            </a:r>
+              <a:t>If Statement</a:t>
+            </a:r>
+            <a:endParaRPr lang="en-US" sz="2158" dirty="0">
+              <a:solidFill>
+                <a:schemeClr val="tx1"/>
+              </a:solidFill>
+            </a:endParaRPr>
           </a:p>
           <a:p>
             <a:pPr algn="ctr"/>
@@ -3979,8 +4046,29 @@
                   <a:schemeClr val="tx1"/>
                 </a:solidFill>
               </a:rPr>
-              <a:t>method 2</a:t>
-            </a:r>
+              <a:t>i</a:t>
+            </a:r>
+            <a:r>
+              <a:rPr lang="en-US" sz="2158" b="1" dirty="0" smtClean="0">
+                <a:solidFill>
+                  <a:schemeClr val="tx1"/>
+                </a:solidFill>
+              </a:rPr>
+              <a:t>f </a:t>
+            </a:r>
+            <a:r>
+              <a:rPr lang="en-US" sz="2158" b="1" dirty="0" smtClean="0">
+                <a:solidFill>
+                  <a:schemeClr val="tx1"/>
+                </a:solidFill>
+              </a:rPr>
+              <a:t>statement 2</a:t>
+            </a:r>
+            <a:endParaRPr lang="en-US" sz="2158" b="1" dirty="0">
+              <a:solidFill>
+                <a:schemeClr val="tx1"/>
+              </a:solidFill>
+            </a:endParaRPr>
           </a:p>
         </p:txBody>
       </p:sp>

--- a/NewThesis/LaTex-template-package/Drawing4/multipleLogging.pptx
+++ b/NewThesis/LaTex-template-package/Drawing4/multipleLogging.pptx
@@ -2,19 +2,19 @@
 <file path=ppt/presentation.xml><?xml version="1.0" encoding="utf-8"?>
 <p:presentation xmlns:a="http://schemas.openxmlformats.org/drawingml/2006/main" xmlns:r="http://schemas.openxmlformats.org/officeDocument/2006/relationships" xmlns:p="http://schemas.openxmlformats.org/presentationml/2006/main" saveSubsetFonts="1">
   <p:sldMasterIdLst>
-    <p:sldMasterId id="2147483900" r:id="rId1"/>
+    <p:sldMasterId id="2147483888" r:id="rId1"/>
   </p:sldMasterIdLst>
   <p:sldIdLst>
     <p:sldId id="257" r:id="rId2"/>
   </p:sldIdLst>
-  <p:sldSz cx="20116800" cy="9720263"/>
+  <p:sldSz cx="20116800" cy="9144000"/>
   <p:notesSz cx="6858000" cy="9144000"/>
   <p:defaultTextStyle>
     <a:defPPr>
       <a:defRPr lang="en-US"/>
     </a:defPPr>
-    <a:lvl1pPr marL="0" algn="l" defTabSz="457200" rtl="0" eaLnBrk="1" latinLnBrk="0" hangingPunct="1">
-      <a:defRPr sz="1800" kern="1200">
+    <a:lvl1pPr marL="0" algn="l" defTabSz="557580" rtl="0" eaLnBrk="1" latinLnBrk="0" hangingPunct="1">
+      <a:defRPr sz="2196" kern="1200">
         <a:solidFill>
           <a:schemeClr val="tx1"/>
         </a:solidFill>
@@ -23,8 +23,8 @@
         <a:cs typeface="+mn-cs"/>
       </a:defRPr>
     </a:lvl1pPr>
-    <a:lvl2pPr marL="457200" algn="l" defTabSz="457200" rtl="0" eaLnBrk="1" latinLnBrk="0" hangingPunct="1">
-      <a:defRPr sz="1800" kern="1200">
+    <a:lvl2pPr marL="557580" algn="l" defTabSz="557580" rtl="0" eaLnBrk="1" latinLnBrk="0" hangingPunct="1">
+      <a:defRPr sz="2196" kern="1200">
         <a:solidFill>
           <a:schemeClr val="tx1"/>
         </a:solidFill>
@@ -33,8 +33,8 @@
         <a:cs typeface="+mn-cs"/>
       </a:defRPr>
     </a:lvl2pPr>
-    <a:lvl3pPr marL="914400" algn="l" defTabSz="457200" rtl="0" eaLnBrk="1" latinLnBrk="0" hangingPunct="1">
-      <a:defRPr sz="1800" kern="1200">
+    <a:lvl3pPr marL="1115159" algn="l" defTabSz="557580" rtl="0" eaLnBrk="1" latinLnBrk="0" hangingPunct="1">
+      <a:defRPr sz="2196" kern="1200">
         <a:solidFill>
           <a:schemeClr val="tx1"/>
         </a:solidFill>
@@ -43,8 +43,8 @@
         <a:cs typeface="+mn-cs"/>
       </a:defRPr>
     </a:lvl3pPr>
-    <a:lvl4pPr marL="1371600" algn="l" defTabSz="457200" rtl="0" eaLnBrk="1" latinLnBrk="0" hangingPunct="1">
-      <a:defRPr sz="1800" kern="1200">
+    <a:lvl4pPr marL="1672740" algn="l" defTabSz="557580" rtl="0" eaLnBrk="1" latinLnBrk="0" hangingPunct="1">
+      <a:defRPr sz="2196" kern="1200">
         <a:solidFill>
           <a:schemeClr val="tx1"/>
         </a:solidFill>
@@ -53,8 +53,8 @@
         <a:cs typeface="+mn-cs"/>
       </a:defRPr>
     </a:lvl4pPr>
-    <a:lvl5pPr marL="1828800" algn="l" defTabSz="457200" rtl="0" eaLnBrk="1" latinLnBrk="0" hangingPunct="1">
-      <a:defRPr sz="1800" kern="1200">
+    <a:lvl5pPr marL="2230319" algn="l" defTabSz="557580" rtl="0" eaLnBrk="1" latinLnBrk="0" hangingPunct="1">
+      <a:defRPr sz="2196" kern="1200">
         <a:solidFill>
           <a:schemeClr val="tx1"/>
         </a:solidFill>
@@ -63,8 +63,8 @@
         <a:cs typeface="+mn-cs"/>
       </a:defRPr>
     </a:lvl5pPr>
-    <a:lvl6pPr marL="2286000" algn="l" defTabSz="457200" rtl="0" eaLnBrk="1" latinLnBrk="0" hangingPunct="1">
-      <a:defRPr sz="1800" kern="1200">
+    <a:lvl6pPr marL="2787900" algn="l" defTabSz="557580" rtl="0" eaLnBrk="1" latinLnBrk="0" hangingPunct="1">
+      <a:defRPr sz="2196" kern="1200">
         <a:solidFill>
           <a:schemeClr val="tx1"/>
         </a:solidFill>
@@ -73,8 +73,8 @@
         <a:cs typeface="+mn-cs"/>
       </a:defRPr>
     </a:lvl6pPr>
-    <a:lvl7pPr marL="2743200" algn="l" defTabSz="457200" rtl="0" eaLnBrk="1" latinLnBrk="0" hangingPunct="1">
-      <a:defRPr sz="1800" kern="1200">
+    <a:lvl7pPr marL="3345479" algn="l" defTabSz="557580" rtl="0" eaLnBrk="1" latinLnBrk="0" hangingPunct="1">
+      <a:defRPr sz="2196" kern="1200">
         <a:solidFill>
           <a:schemeClr val="tx1"/>
         </a:solidFill>
@@ -83,8 +83,8 @@
         <a:cs typeface="+mn-cs"/>
       </a:defRPr>
     </a:lvl7pPr>
-    <a:lvl8pPr marL="3200400" algn="l" defTabSz="457200" rtl="0" eaLnBrk="1" latinLnBrk="0" hangingPunct="1">
-      <a:defRPr sz="1800" kern="1200">
+    <a:lvl8pPr marL="3903061" algn="l" defTabSz="557580" rtl="0" eaLnBrk="1" latinLnBrk="0" hangingPunct="1">
+      <a:defRPr sz="2196" kern="1200">
         <a:solidFill>
           <a:schemeClr val="tx1"/>
         </a:solidFill>
@@ -93,8 +93,8 @@
         <a:cs typeface="+mn-cs"/>
       </a:defRPr>
     </a:lvl8pPr>
-    <a:lvl9pPr marL="3657600" algn="l" defTabSz="457200" rtl="0" eaLnBrk="1" latinLnBrk="0" hangingPunct="1">
-      <a:defRPr sz="1800" kern="1200">
+    <a:lvl9pPr marL="4460640" algn="l" defTabSz="557580" rtl="0" eaLnBrk="1" latinLnBrk="0" hangingPunct="1">
+      <a:defRPr sz="2196" kern="1200">
         <a:solidFill>
           <a:schemeClr val="tx1"/>
         </a:solidFill>
@@ -106,7 +106,7 @@
   </p:defaultTextStyle>
   <p:extLst>
     <p:ext uri="{EFAFB233-063F-42B5-8137-9DF3F51BA10A}">
-      <p15:sldGuideLst xmlns:p15="http://schemas.microsoft.com/office/powerpoint/2012/main"/>
+      <p15:sldGuideLst xmlns:p15="http://schemas.microsoft.com/office/powerpoint/2012/main" xmlns=""/>
     </p:ext>
   </p:extLst>
 </p:presentation>
@@ -141,20 +141,20 @@
         </p:nvSpPr>
         <p:spPr>
           <a:xfrm>
-            <a:off x="2514600" y="1590794"/>
-            <a:ext cx="15087600" cy="3384092"/>
+            <a:off x="2514600" y="1496484"/>
+            <a:ext cx="15087600" cy="3183467"/>
           </a:xfrm>
         </p:spPr>
         <p:txBody>
           <a:bodyPr anchor="b"/>
           <a:lstStyle>
             <a:lvl1pPr algn="ctr">
-              <a:defRPr sz="8504"/>
+              <a:defRPr sz="8000"/>
             </a:lvl1pPr>
           </a:lstStyle>
           <a:p>
             <a:r>
-              <a:rPr lang="en-US"/>
+              <a:rPr lang="en-US" smtClean="0"/>
               <a:t>Click to edit Master title style</a:t>
             </a:r>
             <a:endParaRPr lang="en-US" dirty="0"/>
@@ -173,8 +173,8 @@
         </p:nvSpPr>
         <p:spPr>
           <a:xfrm>
-            <a:off x="2514600" y="5105389"/>
-            <a:ext cx="15087600" cy="2346813"/>
+            <a:off x="2514600" y="4802717"/>
+            <a:ext cx="15087600" cy="2207683"/>
           </a:xfrm>
         </p:spPr>
         <p:txBody>
@@ -182,44 +182,44 @@
           <a:lstStyle>
             <a:lvl1pPr marL="0" indent="0" algn="ctr">
               <a:buNone/>
-              <a:defRPr sz="3402"/>
+              <a:defRPr sz="3200"/>
             </a:lvl1pPr>
-            <a:lvl2pPr marL="648035" indent="0" algn="ctr">
-              <a:buNone/>
-              <a:defRPr sz="2835"/>
+            <a:lvl2pPr marL="609585" indent="0" algn="ctr">
+              <a:buNone/>
+              <a:defRPr sz="2667"/>
             </a:lvl2pPr>
-            <a:lvl3pPr marL="1296071" indent="0" algn="ctr">
-              <a:buNone/>
-              <a:defRPr sz="2551"/>
+            <a:lvl3pPr marL="1219170" indent="0" algn="ctr">
+              <a:buNone/>
+              <a:defRPr sz="2400"/>
             </a:lvl3pPr>
-            <a:lvl4pPr marL="1944106" indent="0" algn="ctr">
-              <a:buNone/>
-              <a:defRPr sz="2268"/>
+            <a:lvl4pPr marL="1828754" indent="0" algn="ctr">
+              <a:buNone/>
+              <a:defRPr sz="2133"/>
             </a:lvl4pPr>
-            <a:lvl5pPr marL="2592141" indent="0" algn="ctr">
-              <a:buNone/>
-              <a:defRPr sz="2268"/>
+            <a:lvl5pPr marL="2438339" indent="0" algn="ctr">
+              <a:buNone/>
+              <a:defRPr sz="2133"/>
             </a:lvl5pPr>
-            <a:lvl6pPr marL="3240176" indent="0" algn="ctr">
-              <a:buNone/>
-              <a:defRPr sz="2268"/>
+            <a:lvl6pPr marL="3047924" indent="0" algn="ctr">
+              <a:buNone/>
+              <a:defRPr sz="2133"/>
             </a:lvl6pPr>
-            <a:lvl7pPr marL="3888212" indent="0" algn="ctr">
-              <a:buNone/>
-              <a:defRPr sz="2268"/>
+            <a:lvl7pPr marL="3657509" indent="0" algn="ctr">
+              <a:buNone/>
+              <a:defRPr sz="2133"/>
             </a:lvl7pPr>
-            <a:lvl8pPr marL="4536247" indent="0" algn="ctr">
-              <a:buNone/>
-              <a:defRPr sz="2268"/>
+            <a:lvl8pPr marL="4267093" indent="0" algn="ctr">
+              <a:buNone/>
+              <a:defRPr sz="2133"/>
             </a:lvl8pPr>
-            <a:lvl9pPr marL="5184282" indent="0" algn="ctr">
-              <a:buNone/>
-              <a:defRPr sz="2268"/>
+            <a:lvl9pPr marL="4876678" indent="0" algn="ctr">
+              <a:buNone/>
+              <a:defRPr sz="2133"/>
             </a:lvl9pPr>
           </a:lstStyle>
           <a:p>
             <a:r>
-              <a:rPr lang="en-US"/>
+              <a:rPr lang="en-US" smtClean="0"/>
               <a:t>Click to edit Master subtitle style</a:t>
             </a:r>
             <a:endParaRPr lang="en-US" dirty="0"/>
@@ -243,7 +243,7 @@
           <a:p>
             <a:fld id="{18A28253-4B93-4F10-A248-DA5D859E28EF}" type="datetimeFigureOut">
               <a:rPr lang="en-US" smtClean="0"/>
-              <a:t>7/29/2016</a:t>
+              <a:t>11/6/16</a:t>
             </a:fld>
             <a:endParaRPr lang="en-US"/>
           </a:p>
@@ -294,7 +294,7 @@
     </p:spTree>
     <p:extLst>
       <p:ext uri="{BB962C8B-B14F-4D97-AF65-F5344CB8AC3E}">
-        <p14:creationId xmlns:p14="http://schemas.microsoft.com/office/powerpoint/2010/main" val="2358660171"/>
+        <p14:creationId xmlns:p14="http://schemas.microsoft.com/office/powerpoint/2010/main" val="4147417779"/>
       </p:ext>
     </p:extLst>
   </p:cSld>
@@ -337,7 +337,7 @@
           <a:lstStyle/>
           <a:p>
             <a:r>
-              <a:rPr lang="en-US"/>
+              <a:rPr lang="en-US" smtClean="0"/>
               <a:t>Click to edit Master title style</a:t>
             </a:r>
             <a:endParaRPr lang="en-US" dirty="0"/>
@@ -361,35 +361,35 @@
           <a:p>
             <a:pPr lvl="0"/>
             <a:r>
-              <a:rPr lang="en-US"/>
-              <a:t>Edit Master text styles</a:t>
+              <a:rPr lang="en-US" smtClean="0"/>
+              <a:t>Click to edit Master text styles</a:t>
             </a:r>
           </a:p>
           <a:p>
             <a:pPr lvl="1"/>
             <a:r>
-              <a:rPr lang="en-US"/>
+              <a:rPr lang="en-US" smtClean="0"/>
               <a:t>Second level</a:t>
             </a:r>
           </a:p>
           <a:p>
             <a:pPr lvl="2"/>
             <a:r>
-              <a:rPr lang="en-US"/>
+              <a:rPr lang="en-US" smtClean="0"/>
               <a:t>Third level</a:t>
             </a:r>
           </a:p>
           <a:p>
             <a:pPr lvl="3"/>
             <a:r>
-              <a:rPr lang="en-US"/>
+              <a:rPr lang="en-US" smtClean="0"/>
               <a:t>Fourth level</a:t>
             </a:r>
           </a:p>
           <a:p>
             <a:pPr lvl="4"/>
             <a:r>
-              <a:rPr lang="en-US"/>
+              <a:rPr lang="en-US" smtClean="0"/>
               <a:t>Fifth level</a:t>
             </a:r>
             <a:endParaRPr lang="en-US" dirty="0"/>
@@ -413,7 +413,7 @@
           <a:p>
             <a:fld id="{18A28253-4B93-4F10-A248-DA5D859E28EF}" type="datetimeFigureOut">
               <a:rPr lang="en-US" smtClean="0"/>
-              <a:t>7/29/2016</a:t>
+              <a:t>11/6/16</a:t>
             </a:fld>
             <a:endParaRPr lang="en-US"/>
           </a:p>
@@ -464,7 +464,7 @@
     </p:spTree>
     <p:extLst>
       <p:ext uri="{BB962C8B-B14F-4D97-AF65-F5344CB8AC3E}">
-        <p14:creationId xmlns:p14="http://schemas.microsoft.com/office/powerpoint/2010/main" val="749469640"/>
+        <p14:creationId xmlns:p14="http://schemas.microsoft.com/office/powerpoint/2010/main" val="2602408085"/>
       </p:ext>
     </p:extLst>
   </p:cSld>
@@ -503,8 +503,8 @@
         </p:nvSpPr>
         <p:spPr>
           <a:xfrm>
-            <a:off x="14396085" y="517514"/>
-            <a:ext cx="4337685" cy="8237474"/>
+            <a:off x="14396085" y="486834"/>
+            <a:ext cx="4337685" cy="7749117"/>
           </a:xfrm>
         </p:spPr>
         <p:txBody>
@@ -512,7 +512,7 @@
           <a:lstStyle/>
           <a:p>
             <a:r>
-              <a:rPr lang="en-US"/>
+              <a:rPr lang="en-US" smtClean="0"/>
               <a:t>Click to edit Master title style</a:t>
             </a:r>
             <a:endParaRPr lang="en-US" dirty="0"/>
@@ -531,8 +531,8 @@
         </p:nvSpPr>
         <p:spPr>
           <a:xfrm>
-            <a:off x="1383030" y="517514"/>
-            <a:ext cx="12761595" cy="8237474"/>
+            <a:off x="1383030" y="486834"/>
+            <a:ext cx="12761595" cy="7749117"/>
           </a:xfrm>
         </p:spPr>
         <p:txBody>
@@ -541,35 +541,35 @@
           <a:p>
             <a:pPr lvl="0"/>
             <a:r>
-              <a:rPr lang="en-US"/>
-              <a:t>Edit Master text styles</a:t>
+              <a:rPr lang="en-US" smtClean="0"/>
+              <a:t>Click to edit Master text styles</a:t>
             </a:r>
           </a:p>
           <a:p>
             <a:pPr lvl="1"/>
             <a:r>
-              <a:rPr lang="en-US"/>
+              <a:rPr lang="en-US" smtClean="0"/>
               <a:t>Second level</a:t>
             </a:r>
           </a:p>
           <a:p>
             <a:pPr lvl="2"/>
             <a:r>
-              <a:rPr lang="en-US"/>
+              <a:rPr lang="en-US" smtClean="0"/>
               <a:t>Third level</a:t>
             </a:r>
           </a:p>
           <a:p>
             <a:pPr lvl="3"/>
             <a:r>
-              <a:rPr lang="en-US"/>
+              <a:rPr lang="en-US" smtClean="0"/>
               <a:t>Fourth level</a:t>
             </a:r>
           </a:p>
           <a:p>
             <a:pPr lvl="4"/>
             <a:r>
-              <a:rPr lang="en-US"/>
+              <a:rPr lang="en-US" smtClean="0"/>
               <a:t>Fifth level</a:t>
             </a:r>
             <a:endParaRPr lang="en-US" dirty="0"/>
@@ -593,7 +593,7 @@
           <a:p>
             <a:fld id="{18A28253-4B93-4F10-A248-DA5D859E28EF}" type="datetimeFigureOut">
               <a:rPr lang="en-US" smtClean="0"/>
-              <a:t>7/29/2016</a:t>
+              <a:t>11/6/16</a:t>
             </a:fld>
             <a:endParaRPr lang="en-US"/>
           </a:p>
@@ -644,7 +644,7 @@
     </p:spTree>
     <p:extLst>
       <p:ext uri="{BB962C8B-B14F-4D97-AF65-F5344CB8AC3E}">
-        <p14:creationId xmlns:p14="http://schemas.microsoft.com/office/powerpoint/2010/main" val="2511280559"/>
+        <p14:creationId xmlns:p14="http://schemas.microsoft.com/office/powerpoint/2010/main" val="680680676"/>
       </p:ext>
     </p:extLst>
   </p:cSld>
@@ -687,7 +687,7 @@
           <a:lstStyle/>
           <a:p>
             <a:r>
-              <a:rPr lang="en-US"/>
+              <a:rPr lang="en-US" smtClean="0"/>
               <a:t>Click to edit Master title style</a:t>
             </a:r>
             <a:endParaRPr lang="en-US" dirty="0"/>
@@ -711,35 +711,35 @@
           <a:p>
             <a:pPr lvl="0"/>
             <a:r>
-              <a:rPr lang="en-US"/>
-              <a:t>Edit Master text styles</a:t>
+              <a:rPr lang="en-US" smtClean="0"/>
+              <a:t>Click to edit Master text styles</a:t>
             </a:r>
           </a:p>
           <a:p>
             <a:pPr lvl="1"/>
             <a:r>
-              <a:rPr lang="en-US"/>
+              <a:rPr lang="en-US" smtClean="0"/>
               <a:t>Second level</a:t>
             </a:r>
           </a:p>
           <a:p>
             <a:pPr lvl="2"/>
             <a:r>
-              <a:rPr lang="en-US"/>
+              <a:rPr lang="en-US" smtClean="0"/>
               <a:t>Third level</a:t>
             </a:r>
           </a:p>
           <a:p>
             <a:pPr lvl="3"/>
             <a:r>
-              <a:rPr lang="en-US"/>
+              <a:rPr lang="en-US" smtClean="0"/>
               <a:t>Fourth level</a:t>
             </a:r>
           </a:p>
           <a:p>
             <a:pPr lvl="4"/>
             <a:r>
-              <a:rPr lang="en-US"/>
+              <a:rPr lang="en-US" smtClean="0"/>
               <a:t>Fifth level</a:t>
             </a:r>
             <a:endParaRPr lang="en-US" dirty="0"/>
@@ -763,7 +763,7 @@
           <a:p>
             <a:fld id="{18A28253-4B93-4F10-A248-DA5D859E28EF}" type="datetimeFigureOut">
               <a:rPr lang="en-US" smtClean="0"/>
-              <a:t>7/29/2016</a:t>
+              <a:t>11/6/16</a:t>
             </a:fld>
             <a:endParaRPr lang="en-US"/>
           </a:p>
@@ -814,7 +814,7 @@
     </p:spTree>
     <p:extLst>
       <p:ext uri="{BB962C8B-B14F-4D97-AF65-F5344CB8AC3E}">
-        <p14:creationId xmlns:p14="http://schemas.microsoft.com/office/powerpoint/2010/main" val="3860546788"/>
+        <p14:creationId xmlns:p14="http://schemas.microsoft.com/office/powerpoint/2010/main" val="144672508"/>
       </p:ext>
     </p:extLst>
   </p:cSld>
@@ -853,20 +853,20 @@
         </p:nvSpPr>
         <p:spPr>
           <a:xfrm>
-            <a:off x="1372553" y="2423317"/>
-            <a:ext cx="17350740" cy="4043359"/>
+            <a:off x="1372553" y="2279652"/>
+            <a:ext cx="17350740" cy="3803649"/>
           </a:xfrm>
         </p:spPr>
         <p:txBody>
           <a:bodyPr anchor="b"/>
           <a:lstStyle>
             <a:lvl1pPr>
-              <a:defRPr sz="8504"/>
+              <a:defRPr sz="8000"/>
             </a:lvl1pPr>
           </a:lstStyle>
           <a:p>
             <a:r>
-              <a:rPr lang="en-US"/>
+              <a:rPr lang="en-US" smtClean="0"/>
               <a:t>Click to edit Master title style</a:t>
             </a:r>
             <a:endParaRPr lang="en-US" dirty="0"/>
@@ -885,8 +885,8 @@
         </p:nvSpPr>
         <p:spPr>
           <a:xfrm>
-            <a:off x="1372553" y="6504927"/>
-            <a:ext cx="17350740" cy="2126307"/>
+            <a:off x="1372553" y="6119285"/>
+            <a:ext cx="17350740" cy="2000249"/>
           </a:xfrm>
         </p:spPr>
         <p:txBody>
@@ -894,7 +894,7 @@
           <a:lstStyle>
             <a:lvl1pPr marL="0" indent="0">
               <a:buNone/>
-              <a:defRPr sz="3402">
+              <a:defRPr sz="3200">
                 <a:solidFill>
                   <a:schemeClr val="tx1">
                     <a:tint val="75000"/>
@@ -902,9 +902,9 @@
                 </a:solidFill>
               </a:defRPr>
             </a:lvl1pPr>
-            <a:lvl2pPr marL="648035" indent="0">
-              <a:buNone/>
-              <a:defRPr sz="2835">
+            <a:lvl2pPr marL="609585" indent="0">
+              <a:buNone/>
+              <a:defRPr sz="2667">
                 <a:solidFill>
                   <a:schemeClr val="tx1">
                     <a:tint val="75000"/>
@@ -912,9 +912,9 @@
                 </a:solidFill>
               </a:defRPr>
             </a:lvl2pPr>
-            <a:lvl3pPr marL="1296071" indent="0">
-              <a:buNone/>
-              <a:defRPr sz="2551">
+            <a:lvl3pPr marL="1219170" indent="0">
+              <a:buNone/>
+              <a:defRPr sz="2400">
                 <a:solidFill>
                   <a:schemeClr val="tx1">
                     <a:tint val="75000"/>
@@ -922,9 +922,9 @@
                 </a:solidFill>
               </a:defRPr>
             </a:lvl3pPr>
-            <a:lvl4pPr marL="1944106" indent="0">
-              <a:buNone/>
-              <a:defRPr sz="2268">
+            <a:lvl4pPr marL="1828754" indent="0">
+              <a:buNone/>
+              <a:defRPr sz="2133">
                 <a:solidFill>
                   <a:schemeClr val="tx1">
                     <a:tint val="75000"/>
@@ -932,9 +932,9 @@
                 </a:solidFill>
               </a:defRPr>
             </a:lvl4pPr>
-            <a:lvl5pPr marL="2592141" indent="0">
-              <a:buNone/>
-              <a:defRPr sz="2268">
+            <a:lvl5pPr marL="2438339" indent="0">
+              <a:buNone/>
+              <a:defRPr sz="2133">
                 <a:solidFill>
                   <a:schemeClr val="tx1">
                     <a:tint val="75000"/>
@@ -942,9 +942,9 @@
                 </a:solidFill>
               </a:defRPr>
             </a:lvl5pPr>
-            <a:lvl6pPr marL="3240176" indent="0">
-              <a:buNone/>
-              <a:defRPr sz="2268">
+            <a:lvl6pPr marL="3047924" indent="0">
+              <a:buNone/>
+              <a:defRPr sz="2133">
                 <a:solidFill>
                   <a:schemeClr val="tx1">
                     <a:tint val="75000"/>
@@ -952,9 +952,9 @@
                 </a:solidFill>
               </a:defRPr>
             </a:lvl6pPr>
-            <a:lvl7pPr marL="3888212" indent="0">
-              <a:buNone/>
-              <a:defRPr sz="2268">
+            <a:lvl7pPr marL="3657509" indent="0">
+              <a:buNone/>
+              <a:defRPr sz="2133">
                 <a:solidFill>
                   <a:schemeClr val="tx1">
                     <a:tint val="75000"/>
@@ -962,9 +962,9 @@
                 </a:solidFill>
               </a:defRPr>
             </a:lvl7pPr>
-            <a:lvl8pPr marL="4536247" indent="0">
-              <a:buNone/>
-              <a:defRPr sz="2268">
+            <a:lvl8pPr marL="4267093" indent="0">
+              <a:buNone/>
+              <a:defRPr sz="2133">
                 <a:solidFill>
                   <a:schemeClr val="tx1">
                     <a:tint val="75000"/>
@@ -972,9 +972,9 @@
                 </a:solidFill>
               </a:defRPr>
             </a:lvl8pPr>
-            <a:lvl9pPr marL="5184282" indent="0">
-              <a:buNone/>
-              <a:defRPr sz="2268">
+            <a:lvl9pPr marL="4876678" indent="0">
+              <a:buNone/>
+              <a:defRPr sz="2133">
                 <a:solidFill>
                   <a:schemeClr val="tx1">
                     <a:tint val="75000"/>
@@ -986,8 +986,8 @@
           <a:p>
             <a:pPr lvl="0"/>
             <a:r>
-              <a:rPr lang="en-US"/>
-              <a:t>Edit Master text styles</a:t>
+              <a:rPr lang="en-US" smtClean="0"/>
+              <a:t>Click to edit Master text styles</a:t>
             </a:r>
           </a:p>
         </p:txBody>
@@ -1009,7 +1009,7 @@
           <a:p>
             <a:fld id="{18A28253-4B93-4F10-A248-DA5D859E28EF}" type="datetimeFigureOut">
               <a:rPr lang="en-US" smtClean="0"/>
-              <a:t>7/29/2016</a:t>
+              <a:t>11/6/16</a:t>
             </a:fld>
             <a:endParaRPr lang="en-US"/>
           </a:p>
@@ -1060,7 +1060,7 @@
     </p:spTree>
     <p:extLst>
       <p:ext uri="{BB962C8B-B14F-4D97-AF65-F5344CB8AC3E}">
-        <p14:creationId xmlns:p14="http://schemas.microsoft.com/office/powerpoint/2010/main" val="2734663742"/>
+        <p14:creationId xmlns:p14="http://schemas.microsoft.com/office/powerpoint/2010/main" val="3083490785"/>
       </p:ext>
     </p:extLst>
   </p:cSld>
@@ -1103,7 +1103,7 @@
           <a:lstStyle/>
           <a:p>
             <a:r>
-              <a:rPr lang="en-US"/>
+              <a:rPr lang="en-US" smtClean="0"/>
               <a:t>Click to edit Master title style</a:t>
             </a:r>
             <a:endParaRPr lang="en-US" dirty="0"/>
@@ -1122,8 +1122,8 @@
         </p:nvSpPr>
         <p:spPr>
           <a:xfrm>
-            <a:off x="1383030" y="2587570"/>
-            <a:ext cx="8549640" cy="6167418"/>
+            <a:off x="1383030" y="2434167"/>
+            <a:ext cx="8549640" cy="5801784"/>
           </a:xfrm>
         </p:spPr>
         <p:txBody>
@@ -1132,35 +1132,35 @@
           <a:p>
             <a:pPr lvl="0"/>
             <a:r>
-              <a:rPr lang="en-US"/>
-              <a:t>Edit Master text styles</a:t>
+              <a:rPr lang="en-US" smtClean="0"/>
+              <a:t>Click to edit Master text styles</a:t>
             </a:r>
           </a:p>
           <a:p>
             <a:pPr lvl="1"/>
             <a:r>
-              <a:rPr lang="en-US"/>
+              <a:rPr lang="en-US" smtClean="0"/>
               <a:t>Second level</a:t>
             </a:r>
           </a:p>
           <a:p>
             <a:pPr lvl="2"/>
             <a:r>
-              <a:rPr lang="en-US"/>
+              <a:rPr lang="en-US" smtClean="0"/>
               <a:t>Third level</a:t>
             </a:r>
           </a:p>
           <a:p>
             <a:pPr lvl="3"/>
             <a:r>
-              <a:rPr lang="en-US"/>
+              <a:rPr lang="en-US" smtClean="0"/>
               <a:t>Fourth level</a:t>
             </a:r>
           </a:p>
           <a:p>
             <a:pPr lvl="4"/>
             <a:r>
-              <a:rPr lang="en-US"/>
+              <a:rPr lang="en-US" smtClean="0"/>
               <a:t>Fifth level</a:t>
             </a:r>
             <a:endParaRPr lang="en-US" dirty="0"/>
@@ -1179,8 +1179,8 @@
         </p:nvSpPr>
         <p:spPr>
           <a:xfrm>
-            <a:off x="10184130" y="2587570"/>
-            <a:ext cx="8549640" cy="6167418"/>
+            <a:off x="10184130" y="2434167"/>
+            <a:ext cx="8549640" cy="5801784"/>
           </a:xfrm>
         </p:spPr>
         <p:txBody>
@@ -1189,35 +1189,35 @@
           <a:p>
             <a:pPr lvl="0"/>
             <a:r>
-              <a:rPr lang="en-US"/>
-              <a:t>Edit Master text styles</a:t>
+              <a:rPr lang="en-US" smtClean="0"/>
+              <a:t>Click to edit Master text styles</a:t>
             </a:r>
           </a:p>
           <a:p>
             <a:pPr lvl="1"/>
             <a:r>
-              <a:rPr lang="en-US"/>
+              <a:rPr lang="en-US" smtClean="0"/>
               <a:t>Second level</a:t>
             </a:r>
           </a:p>
           <a:p>
             <a:pPr lvl="2"/>
             <a:r>
-              <a:rPr lang="en-US"/>
+              <a:rPr lang="en-US" smtClean="0"/>
               <a:t>Third level</a:t>
             </a:r>
           </a:p>
           <a:p>
             <a:pPr lvl="3"/>
             <a:r>
-              <a:rPr lang="en-US"/>
+              <a:rPr lang="en-US" smtClean="0"/>
               <a:t>Fourth level</a:t>
             </a:r>
           </a:p>
           <a:p>
             <a:pPr lvl="4"/>
             <a:r>
-              <a:rPr lang="en-US"/>
+              <a:rPr lang="en-US" smtClean="0"/>
               <a:t>Fifth level</a:t>
             </a:r>
             <a:endParaRPr lang="en-US" dirty="0"/>
@@ -1241,7 +1241,7 @@
           <a:p>
             <a:fld id="{18A28253-4B93-4F10-A248-DA5D859E28EF}" type="datetimeFigureOut">
               <a:rPr lang="en-US" smtClean="0"/>
-              <a:t>7/29/2016</a:t>
+              <a:t>11/6/16</a:t>
             </a:fld>
             <a:endParaRPr lang="en-US"/>
           </a:p>
@@ -1292,7 +1292,7 @@
     </p:spTree>
     <p:extLst>
       <p:ext uri="{BB962C8B-B14F-4D97-AF65-F5344CB8AC3E}">
-        <p14:creationId xmlns:p14="http://schemas.microsoft.com/office/powerpoint/2010/main" val="3783810907"/>
+        <p14:creationId xmlns:p14="http://schemas.microsoft.com/office/powerpoint/2010/main" val="941218659"/>
       </p:ext>
     </p:extLst>
   </p:cSld>
@@ -1331,8 +1331,8 @@
         </p:nvSpPr>
         <p:spPr>
           <a:xfrm>
-            <a:off x="1385650" y="517514"/>
-            <a:ext cx="17350740" cy="1878802"/>
+            <a:off x="1385650" y="486834"/>
+            <a:ext cx="17350740" cy="1767417"/>
           </a:xfrm>
         </p:spPr>
         <p:txBody>
@@ -1340,7 +1340,7 @@
           <a:lstStyle/>
           <a:p>
             <a:r>
-              <a:rPr lang="en-US"/>
+              <a:rPr lang="en-US" smtClean="0"/>
               <a:t>Click to edit Master title style</a:t>
             </a:r>
             <a:endParaRPr lang="en-US" dirty="0"/>
@@ -1359,8 +1359,8 @@
         </p:nvSpPr>
         <p:spPr>
           <a:xfrm>
-            <a:off x="1385651" y="2382815"/>
-            <a:ext cx="8510349" cy="1167781"/>
+            <a:off x="1385651" y="2241551"/>
+            <a:ext cx="8510349" cy="1098549"/>
           </a:xfrm>
         </p:spPr>
         <p:txBody>
@@ -1368,46 +1368,46 @@
           <a:lstStyle>
             <a:lvl1pPr marL="0" indent="0">
               <a:buNone/>
-              <a:defRPr sz="3402" b="1"/>
+              <a:defRPr sz="3200" b="1"/>
             </a:lvl1pPr>
-            <a:lvl2pPr marL="648035" indent="0">
-              <a:buNone/>
-              <a:defRPr sz="2835" b="1"/>
+            <a:lvl2pPr marL="609585" indent="0">
+              <a:buNone/>
+              <a:defRPr sz="2667" b="1"/>
             </a:lvl2pPr>
-            <a:lvl3pPr marL="1296071" indent="0">
-              <a:buNone/>
-              <a:defRPr sz="2551" b="1"/>
+            <a:lvl3pPr marL="1219170" indent="0">
+              <a:buNone/>
+              <a:defRPr sz="2400" b="1"/>
             </a:lvl3pPr>
-            <a:lvl4pPr marL="1944106" indent="0">
-              <a:buNone/>
-              <a:defRPr sz="2268" b="1"/>
+            <a:lvl4pPr marL="1828754" indent="0">
+              <a:buNone/>
+              <a:defRPr sz="2133" b="1"/>
             </a:lvl4pPr>
-            <a:lvl5pPr marL="2592141" indent="0">
-              <a:buNone/>
-              <a:defRPr sz="2268" b="1"/>
+            <a:lvl5pPr marL="2438339" indent="0">
+              <a:buNone/>
+              <a:defRPr sz="2133" b="1"/>
             </a:lvl5pPr>
-            <a:lvl6pPr marL="3240176" indent="0">
-              <a:buNone/>
-              <a:defRPr sz="2268" b="1"/>
+            <a:lvl6pPr marL="3047924" indent="0">
+              <a:buNone/>
+              <a:defRPr sz="2133" b="1"/>
             </a:lvl6pPr>
-            <a:lvl7pPr marL="3888212" indent="0">
-              <a:buNone/>
-              <a:defRPr sz="2268" b="1"/>
+            <a:lvl7pPr marL="3657509" indent="0">
+              <a:buNone/>
+              <a:defRPr sz="2133" b="1"/>
             </a:lvl7pPr>
-            <a:lvl8pPr marL="4536247" indent="0">
-              <a:buNone/>
-              <a:defRPr sz="2268" b="1"/>
+            <a:lvl8pPr marL="4267093" indent="0">
+              <a:buNone/>
+              <a:defRPr sz="2133" b="1"/>
             </a:lvl8pPr>
-            <a:lvl9pPr marL="5184282" indent="0">
-              <a:buNone/>
-              <a:defRPr sz="2268" b="1"/>
+            <a:lvl9pPr marL="4876678" indent="0">
+              <a:buNone/>
+              <a:defRPr sz="2133" b="1"/>
             </a:lvl9pPr>
           </a:lstStyle>
           <a:p>
             <a:pPr lvl="0"/>
             <a:r>
-              <a:rPr lang="en-US"/>
-              <a:t>Edit Master text styles</a:t>
+              <a:rPr lang="en-US" smtClean="0"/>
+              <a:t>Click to edit Master text styles</a:t>
             </a:r>
           </a:p>
         </p:txBody>
@@ -1424,8 +1424,8 @@
         </p:nvSpPr>
         <p:spPr>
           <a:xfrm>
-            <a:off x="1385651" y="3550596"/>
-            <a:ext cx="8510349" cy="5222392"/>
+            <a:off x="1385651" y="3340100"/>
+            <a:ext cx="8510349" cy="4912784"/>
           </a:xfrm>
         </p:spPr>
         <p:txBody>
@@ -1434,35 +1434,35 @@
           <a:p>
             <a:pPr lvl="0"/>
             <a:r>
-              <a:rPr lang="en-US"/>
-              <a:t>Edit Master text styles</a:t>
+              <a:rPr lang="en-US" smtClean="0"/>
+              <a:t>Click to edit Master text styles</a:t>
             </a:r>
           </a:p>
           <a:p>
             <a:pPr lvl="1"/>
             <a:r>
-              <a:rPr lang="en-US"/>
+              <a:rPr lang="en-US" smtClean="0"/>
               <a:t>Second level</a:t>
             </a:r>
           </a:p>
           <a:p>
             <a:pPr lvl="2"/>
             <a:r>
-              <a:rPr lang="en-US"/>
+              <a:rPr lang="en-US" smtClean="0"/>
               <a:t>Third level</a:t>
             </a:r>
           </a:p>
           <a:p>
             <a:pPr lvl="3"/>
             <a:r>
-              <a:rPr lang="en-US"/>
+              <a:rPr lang="en-US" smtClean="0"/>
               <a:t>Fourth level</a:t>
             </a:r>
           </a:p>
           <a:p>
             <a:pPr lvl="4"/>
             <a:r>
-              <a:rPr lang="en-US"/>
+              <a:rPr lang="en-US" smtClean="0"/>
               <a:t>Fifth level</a:t>
             </a:r>
             <a:endParaRPr lang="en-US" dirty="0"/>
@@ -1481,8 +1481,8 @@
         </p:nvSpPr>
         <p:spPr>
           <a:xfrm>
-            <a:off x="10184130" y="2382815"/>
-            <a:ext cx="8552260" cy="1167781"/>
+            <a:off x="10184130" y="2241551"/>
+            <a:ext cx="8552260" cy="1098549"/>
           </a:xfrm>
         </p:spPr>
         <p:txBody>
@@ -1490,46 +1490,46 @@
           <a:lstStyle>
             <a:lvl1pPr marL="0" indent="0">
               <a:buNone/>
-              <a:defRPr sz="3402" b="1"/>
+              <a:defRPr sz="3200" b="1"/>
             </a:lvl1pPr>
-            <a:lvl2pPr marL="648035" indent="0">
-              <a:buNone/>
-              <a:defRPr sz="2835" b="1"/>
+            <a:lvl2pPr marL="609585" indent="0">
+              <a:buNone/>
+              <a:defRPr sz="2667" b="1"/>
             </a:lvl2pPr>
-            <a:lvl3pPr marL="1296071" indent="0">
-              <a:buNone/>
-              <a:defRPr sz="2551" b="1"/>
+            <a:lvl3pPr marL="1219170" indent="0">
+              <a:buNone/>
+              <a:defRPr sz="2400" b="1"/>
             </a:lvl3pPr>
-            <a:lvl4pPr marL="1944106" indent="0">
-              <a:buNone/>
-              <a:defRPr sz="2268" b="1"/>
+            <a:lvl4pPr marL="1828754" indent="0">
+              <a:buNone/>
+              <a:defRPr sz="2133" b="1"/>
             </a:lvl4pPr>
-            <a:lvl5pPr marL="2592141" indent="0">
-              <a:buNone/>
-              <a:defRPr sz="2268" b="1"/>
+            <a:lvl5pPr marL="2438339" indent="0">
+              <a:buNone/>
+              <a:defRPr sz="2133" b="1"/>
             </a:lvl5pPr>
-            <a:lvl6pPr marL="3240176" indent="0">
-              <a:buNone/>
-              <a:defRPr sz="2268" b="1"/>
+            <a:lvl6pPr marL="3047924" indent="0">
+              <a:buNone/>
+              <a:defRPr sz="2133" b="1"/>
             </a:lvl6pPr>
-            <a:lvl7pPr marL="3888212" indent="0">
-              <a:buNone/>
-              <a:defRPr sz="2268" b="1"/>
+            <a:lvl7pPr marL="3657509" indent="0">
+              <a:buNone/>
+              <a:defRPr sz="2133" b="1"/>
             </a:lvl7pPr>
-            <a:lvl8pPr marL="4536247" indent="0">
-              <a:buNone/>
-              <a:defRPr sz="2268" b="1"/>
+            <a:lvl8pPr marL="4267093" indent="0">
+              <a:buNone/>
+              <a:defRPr sz="2133" b="1"/>
             </a:lvl8pPr>
-            <a:lvl9pPr marL="5184282" indent="0">
-              <a:buNone/>
-              <a:defRPr sz="2268" b="1"/>
+            <a:lvl9pPr marL="4876678" indent="0">
+              <a:buNone/>
+              <a:defRPr sz="2133" b="1"/>
             </a:lvl9pPr>
           </a:lstStyle>
           <a:p>
             <a:pPr lvl="0"/>
             <a:r>
-              <a:rPr lang="en-US"/>
-              <a:t>Edit Master text styles</a:t>
+              <a:rPr lang="en-US" smtClean="0"/>
+              <a:t>Click to edit Master text styles</a:t>
             </a:r>
           </a:p>
         </p:txBody>
@@ -1546,8 +1546,8 @@
         </p:nvSpPr>
         <p:spPr>
           <a:xfrm>
-            <a:off x="10184130" y="3550596"/>
-            <a:ext cx="8552260" cy="5222392"/>
+            <a:off x="10184130" y="3340100"/>
+            <a:ext cx="8552260" cy="4912784"/>
           </a:xfrm>
         </p:spPr>
         <p:txBody>
@@ -1556,35 +1556,35 @@
           <a:p>
             <a:pPr lvl="0"/>
             <a:r>
-              <a:rPr lang="en-US"/>
-              <a:t>Edit Master text styles</a:t>
+              <a:rPr lang="en-US" smtClean="0"/>
+              <a:t>Click to edit Master text styles</a:t>
             </a:r>
           </a:p>
           <a:p>
             <a:pPr lvl="1"/>
             <a:r>
-              <a:rPr lang="en-US"/>
+              <a:rPr lang="en-US" smtClean="0"/>
               <a:t>Second level</a:t>
             </a:r>
           </a:p>
           <a:p>
             <a:pPr lvl="2"/>
             <a:r>
-              <a:rPr lang="en-US"/>
+              <a:rPr lang="en-US" smtClean="0"/>
               <a:t>Third level</a:t>
             </a:r>
           </a:p>
           <a:p>
             <a:pPr lvl="3"/>
             <a:r>
-              <a:rPr lang="en-US"/>
+              <a:rPr lang="en-US" smtClean="0"/>
               <a:t>Fourth level</a:t>
             </a:r>
           </a:p>
           <a:p>
             <a:pPr lvl="4"/>
             <a:r>
-              <a:rPr lang="en-US"/>
+              <a:rPr lang="en-US" smtClean="0"/>
               <a:t>Fifth level</a:t>
             </a:r>
             <a:endParaRPr lang="en-US" dirty="0"/>
@@ -1608,7 +1608,7 @@
           <a:p>
             <a:fld id="{18A28253-4B93-4F10-A248-DA5D859E28EF}" type="datetimeFigureOut">
               <a:rPr lang="en-US" smtClean="0"/>
-              <a:t>7/29/2016</a:t>
+              <a:t>11/6/16</a:t>
             </a:fld>
             <a:endParaRPr lang="en-US"/>
           </a:p>
@@ -1659,7 +1659,7 @@
     </p:spTree>
     <p:extLst>
       <p:ext uri="{BB962C8B-B14F-4D97-AF65-F5344CB8AC3E}">
-        <p14:creationId xmlns:p14="http://schemas.microsoft.com/office/powerpoint/2010/main" val="2492499247"/>
+        <p14:creationId xmlns:p14="http://schemas.microsoft.com/office/powerpoint/2010/main" val="2448662839"/>
       </p:ext>
     </p:extLst>
   </p:cSld>
@@ -1702,7 +1702,7 @@
           <a:lstStyle/>
           <a:p>
             <a:r>
-              <a:rPr lang="en-US"/>
+              <a:rPr lang="en-US" smtClean="0"/>
               <a:t>Click to edit Master title style</a:t>
             </a:r>
             <a:endParaRPr lang="en-US" dirty="0"/>
@@ -1726,7 +1726,7 @@
           <a:p>
             <a:fld id="{18A28253-4B93-4F10-A248-DA5D859E28EF}" type="datetimeFigureOut">
               <a:rPr lang="en-US" smtClean="0"/>
-              <a:t>7/29/2016</a:t>
+              <a:t>11/6/16</a:t>
             </a:fld>
             <a:endParaRPr lang="en-US"/>
           </a:p>
@@ -1777,7 +1777,7 @@
     </p:spTree>
     <p:extLst>
       <p:ext uri="{BB962C8B-B14F-4D97-AF65-F5344CB8AC3E}">
-        <p14:creationId xmlns:p14="http://schemas.microsoft.com/office/powerpoint/2010/main" val="1665228707"/>
+        <p14:creationId xmlns:p14="http://schemas.microsoft.com/office/powerpoint/2010/main" val="1752854791"/>
       </p:ext>
     </p:extLst>
   </p:cSld>
@@ -1821,7 +1821,7 @@
           <a:p>
             <a:fld id="{18A28253-4B93-4F10-A248-DA5D859E28EF}" type="datetimeFigureOut">
               <a:rPr lang="en-US" smtClean="0"/>
-              <a:t>7/29/2016</a:t>
+              <a:t>11/6/16</a:t>
             </a:fld>
             <a:endParaRPr lang="en-US"/>
           </a:p>
@@ -1872,7 +1872,7 @@
     </p:spTree>
     <p:extLst>
       <p:ext uri="{BB962C8B-B14F-4D97-AF65-F5344CB8AC3E}">
-        <p14:creationId xmlns:p14="http://schemas.microsoft.com/office/powerpoint/2010/main" val="3238196553"/>
+        <p14:creationId xmlns:p14="http://schemas.microsoft.com/office/powerpoint/2010/main" val="505589046"/>
       </p:ext>
     </p:extLst>
   </p:cSld>
@@ -1911,20 +1911,20 @@
         </p:nvSpPr>
         <p:spPr>
           <a:xfrm>
-            <a:off x="1385651" y="648018"/>
-            <a:ext cx="6488191" cy="2268061"/>
+            <a:off x="1385651" y="609600"/>
+            <a:ext cx="6488191" cy="2133600"/>
           </a:xfrm>
         </p:spPr>
         <p:txBody>
           <a:bodyPr anchor="b"/>
           <a:lstStyle>
             <a:lvl1pPr>
-              <a:defRPr sz="4536"/>
+              <a:defRPr sz="4267"/>
             </a:lvl1pPr>
           </a:lstStyle>
           <a:p>
             <a:r>
-              <a:rPr lang="en-US"/>
+              <a:rPr lang="en-US" smtClean="0"/>
               <a:t>Click to edit Master title style</a:t>
             </a:r>
             <a:endParaRPr lang="en-US" dirty="0"/>
@@ -1943,73 +1943,73 @@
         </p:nvSpPr>
         <p:spPr>
           <a:xfrm>
-            <a:off x="8552260" y="1399539"/>
-            <a:ext cx="10184130" cy="6907687"/>
+            <a:off x="8552260" y="1316567"/>
+            <a:ext cx="10184130" cy="6498167"/>
           </a:xfrm>
         </p:spPr>
         <p:txBody>
           <a:bodyPr/>
           <a:lstStyle>
             <a:lvl1pPr>
-              <a:defRPr sz="4536"/>
+              <a:defRPr sz="4267"/>
             </a:lvl1pPr>
             <a:lvl2pPr>
-              <a:defRPr sz="3969"/>
+              <a:defRPr sz="3733"/>
             </a:lvl2pPr>
             <a:lvl3pPr>
-              <a:defRPr sz="3402"/>
+              <a:defRPr sz="3200"/>
             </a:lvl3pPr>
             <a:lvl4pPr>
-              <a:defRPr sz="2835"/>
+              <a:defRPr sz="2667"/>
             </a:lvl4pPr>
             <a:lvl5pPr>
-              <a:defRPr sz="2835"/>
+              <a:defRPr sz="2667"/>
             </a:lvl5pPr>
             <a:lvl6pPr>
-              <a:defRPr sz="2835"/>
+              <a:defRPr sz="2667"/>
             </a:lvl6pPr>
             <a:lvl7pPr>
-              <a:defRPr sz="2835"/>
+              <a:defRPr sz="2667"/>
             </a:lvl7pPr>
             <a:lvl8pPr>
-              <a:defRPr sz="2835"/>
+              <a:defRPr sz="2667"/>
             </a:lvl8pPr>
             <a:lvl9pPr>
-              <a:defRPr sz="2835"/>
+              <a:defRPr sz="2667"/>
             </a:lvl9pPr>
           </a:lstStyle>
           <a:p>
             <a:pPr lvl="0"/>
             <a:r>
-              <a:rPr lang="en-US"/>
-              <a:t>Edit Master text styles</a:t>
+              <a:rPr lang="en-US" smtClean="0"/>
+              <a:t>Click to edit Master text styles</a:t>
             </a:r>
           </a:p>
           <a:p>
             <a:pPr lvl="1"/>
             <a:r>
-              <a:rPr lang="en-US"/>
+              <a:rPr lang="en-US" smtClean="0"/>
               <a:t>Second level</a:t>
             </a:r>
           </a:p>
           <a:p>
             <a:pPr lvl="2"/>
             <a:r>
-              <a:rPr lang="en-US"/>
+              <a:rPr lang="en-US" smtClean="0"/>
               <a:t>Third level</a:t>
             </a:r>
           </a:p>
           <a:p>
             <a:pPr lvl="3"/>
             <a:r>
-              <a:rPr lang="en-US"/>
+              <a:rPr lang="en-US" smtClean="0"/>
               <a:t>Fourth level</a:t>
             </a:r>
           </a:p>
           <a:p>
             <a:pPr lvl="4"/>
             <a:r>
-              <a:rPr lang="en-US"/>
+              <a:rPr lang="en-US" smtClean="0"/>
               <a:t>Fifth level</a:t>
             </a:r>
             <a:endParaRPr lang="en-US" dirty="0"/>
@@ -2028,8 +2028,8 @@
         </p:nvSpPr>
         <p:spPr>
           <a:xfrm>
-            <a:off x="1385651" y="2916079"/>
-            <a:ext cx="6488191" cy="5402397"/>
+            <a:off x="1385651" y="2743200"/>
+            <a:ext cx="6488191" cy="5082117"/>
           </a:xfrm>
         </p:spPr>
         <p:txBody>
@@ -2037,46 +2037,46 @@
           <a:lstStyle>
             <a:lvl1pPr marL="0" indent="0">
               <a:buNone/>
-              <a:defRPr sz="2268"/>
+              <a:defRPr sz="2133"/>
             </a:lvl1pPr>
-            <a:lvl2pPr marL="648035" indent="0">
-              <a:buNone/>
-              <a:defRPr sz="1984"/>
+            <a:lvl2pPr marL="609585" indent="0">
+              <a:buNone/>
+              <a:defRPr sz="1867"/>
             </a:lvl2pPr>
-            <a:lvl3pPr marL="1296071" indent="0">
-              <a:buNone/>
-              <a:defRPr sz="1701"/>
+            <a:lvl3pPr marL="1219170" indent="0">
+              <a:buNone/>
+              <a:defRPr sz="1600"/>
             </a:lvl3pPr>
-            <a:lvl4pPr marL="1944106" indent="0">
-              <a:buNone/>
-              <a:defRPr sz="1417"/>
+            <a:lvl4pPr marL="1828754" indent="0">
+              <a:buNone/>
+              <a:defRPr sz="1333"/>
             </a:lvl4pPr>
-            <a:lvl5pPr marL="2592141" indent="0">
-              <a:buNone/>
-              <a:defRPr sz="1417"/>
+            <a:lvl5pPr marL="2438339" indent="0">
+              <a:buNone/>
+              <a:defRPr sz="1333"/>
             </a:lvl5pPr>
-            <a:lvl6pPr marL="3240176" indent="0">
-              <a:buNone/>
-              <a:defRPr sz="1417"/>
+            <a:lvl6pPr marL="3047924" indent="0">
+              <a:buNone/>
+              <a:defRPr sz="1333"/>
             </a:lvl6pPr>
-            <a:lvl7pPr marL="3888212" indent="0">
-              <a:buNone/>
-              <a:defRPr sz="1417"/>
+            <a:lvl7pPr marL="3657509" indent="0">
+              <a:buNone/>
+              <a:defRPr sz="1333"/>
             </a:lvl7pPr>
-            <a:lvl8pPr marL="4536247" indent="0">
-              <a:buNone/>
-              <a:defRPr sz="1417"/>
+            <a:lvl8pPr marL="4267093" indent="0">
+              <a:buNone/>
+              <a:defRPr sz="1333"/>
             </a:lvl8pPr>
-            <a:lvl9pPr marL="5184282" indent="0">
-              <a:buNone/>
-              <a:defRPr sz="1417"/>
+            <a:lvl9pPr marL="4876678" indent="0">
+              <a:buNone/>
+              <a:defRPr sz="1333"/>
             </a:lvl9pPr>
           </a:lstStyle>
           <a:p>
             <a:pPr lvl="0"/>
             <a:r>
-              <a:rPr lang="en-US"/>
-              <a:t>Edit Master text styles</a:t>
+              <a:rPr lang="en-US" smtClean="0"/>
+              <a:t>Click to edit Master text styles</a:t>
             </a:r>
           </a:p>
         </p:txBody>
@@ -2098,7 +2098,7 @@
           <a:p>
             <a:fld id="{18A28253-4B93-4F10-A248-DA5D859E28EF}" type="datetimeFigureOut">
               <a:rPr lang="en-US" smtClean="0"/>
-              <a:t>7/29/2016</a:t>
+              <a:t>11/6/16</a:t>
             </a:fld>
             <a:endParaRPr lang="en-US"/>
           </a:p>
@@ -2149,7 +2149,7 @@
     </p:spTree>
     <p:extLst>
       <p:ext uri="{BB962C8B-B14F-4D97-AF65-F5344CB8AC3E}">
-        <p14:creationId xmlns:p14="http://schemas.microsoft.com/office/powerpoint/2010/main" val="2840129111"/>
+        <p14:creationId xmlns:p14="http://schemas.microsoft.com/office/powerpoint/2010/main" val="688194792"/>
       </p:ext>
     </p:extLst>
   </p:cSld>
@@ -2188,20 +2188,20 @@
         </p:nvSpPr>
         <p:spPr>
           <a:xfrm>
-            <a:off x="1385651" y="648018"/>
-            <a:ext cx="6488191" cy="2268061"/>
+            <a:off x="1385651" y="609600"/>
+            <a:ext cx="6488191" cy="2133600"/>
           </a:xfrm>
         </p:spPr>
         <p:txBody>
           <a:bodyPr anchor="b"/>
           <a:lstStyle>
             <a:lvl1pPr>
-              <a:defRPr sz="4536"/>
+              <a:defRPr sz="4267"/>
             </a:lvl1pPr>
           </a:lstStyle>
           <a:p>
             <a:r>
-              <a:rPr lang="en-US"/>
+              <a:rPr lang="en-US" smtClean="0"/>
               <a:t>Click to edit Master title style</a:t>
             </a:r>
             <a:endParaRPr lang="en-US" dirty="0"/>
@@ -2220,8 +2220,8 @@
         </p:nvSpPr>
         <p:spPr>
           <a:xfrm>
-            <a:off x="8552260" y="1399539"/>
-            <a:ext cx="10184130" cy="6907687"/>
+            <a:off x="8552260" y="1316567"/>
+            <a:ext cx="10184130" cy="6498167"/>
           </a:xfrm>
         </p:spPr>
         <p:txBody>
@@ -2229,44 +2229,44 @@
           <a:lstStyle>
             <a:lvl1pPr marL="0" indent="0">
               <a:buNone/>
-              <a:defRPr sz="4536"/>
+              <a:defRPr sz="4267"/>
             </a:lvl1pPr>
-            <a:lvl2pPr marL="648035" indent="0">
-              <a:buNone/>
-              <a:defRPr sz="3969"/>
+            <a:lvl2pPr marL="609585" indent="0">
+              <a:buNone/>
+              <a:defRPr sz="3733"/>
             </a:lvl2pPr>
-            <a:lvl3pPr marL="1296071" indent="0">
-              <a:buNone/>
-              <a:defRPr sz="3402"/>
+            <a:lvl3pPr marL="1219170" indent="0">
+              <a:buNone/>
+              <a:defRPr sz="3200"/>
             </a:lvl3pPr>
-            <a:lvl4pPr marL="1944106" indent="0">
-              <a:buNone/>
-              <a:defRPr sz="2835"/>
+            <a:lvl4pPr marL="1828754" indent="0">
+              <a:buNone/>
+              <a:defRPr sz="2667"/>
             </a:lvl4pPr>
-            <a:lvl5pPr marL="2592141" indent="0">
-              <a:buNone/>
-              <a:defRPr sz="2835"/>
+            <a:lvl5pPr marL="2438339" indent="0">
+              <a:buNone/>
+              <a:defRPr sz="2667"/>
             </a:lvl5pPr>
-            <a:lvl6pPr marL="3240176" indent="0">
-              <a:buNone/>
-              <a:defRPr sz="2835"/>
+            <a:lvl6pPr marL="3047924" indent="0">
+              <a:buNone/>
+              <a:defRPr sz="2667"/>
             </a:lvl6pPr>
-            <a:lvl7pPr marL="3888212" indent="0">
-              <a:buNone/>
-              <a:defRPr sz="2835"/>
+            <a:lvl7pPr marL="3657509" indent="0">
+              <a:buNone/>
+              <a:defRPr sz="2667"/>
             </a:lvl7pPr>
-            <a:lvl8pPr marL="4536247" indent="0">
-              <a:buNone/>
-              <a:defRPr sz="2835"/>
+            <a:lvl8pPr marL="4267093" indent="0">
+              <a:buNone/>
+              <a:defRPr sz="2667"/>
             </a:lvl8pPr>
-            <a:lvl9pPr marL="5184282" indent="0">
-              <a:buNone/>
-              <a:defRPr sz="2835"/>
+            <a:lvl9pPr marL="4876678" indent="0">
+              <a:buNone/>
+              <a:defRPr sz="2667"/>
             </a:lvl9pPr>
           </a:lstStyle>
           <a:p>
             <a:r>
-              <a:rPr lang="en-US"/>
+              <a:rPr lang="en-US" smtClean="0"/>
               <a:t>Click icon to add picture</a:t>
             </a:r>
             <a:endParaRPr lang="en-US" dirty="0"/>
@@ -2285,8 +2285,8 @@
         </p:nvSpPr>
         <p:spPr>
           <a:xfrm>
-            <a:off x="1385651" y="2916079"/>
-            <a:ext cx="6488191" cy="5402397"/>
+            <a:off x="1385651" y="2743200"/>
+            <a:ext cx="6488191" cy="5082117"/>
           </a:xfrm>
         </p:spPr>
         <p:txBody>
@@ -2294,46 +2294,46 @@
           <a:lstStyle>
             <a:lvl1pPr marL="0" indent="0">
               <a:buNone/>
-              <a:defRPr sz="2268"/>
+              <a:defRPr sz="2133"/>
             </a:lvl1pPr>
-            <a:lvl2pPr marL="648035" indent="0">
-              <a:buNone/>
-              <a:defRPr sz="1984"/>
+            <a:lvl2pPr marL="609585" indent="0">
+              <a:buNone/>
+              <a:defRPr sz="1867"/>
             </a:lvl2pPr>
-            <a:lvl3pPr marL="1296071" indent="0">
-              <a:buNone/>
-              <a:defRPr sz="1701"/>
+            <a:lvl3pPr marL="1219170" indent="0">
+              <a:buNone/>
+              <a:defRPr sz="1600"/>
             </a:lvl3pPr>
-            <a:lvl4pPr marL="1944106" indent="0">
-              <a:buNone/>
-              <a:defRPr sz="1417"/>
+            <a:lvl4pPr marL="1828754" indent="0">
+              <a:buNone/>
+              <a:defRPr sz="1333"/>
             </a:lvl4pPr>
-            <a:lvl5pPr marL="2592141" indent="0">
-              <a:buNone/>
-              <a:defRPr sz="1417"/>
+            <a:lvl5pPr marL="2438339" indent="0">
+              <a:buNone/>
+              <a:defRPr sz="1333"/>
             </a:lvl5pPr>
-            <a:lvl6pPr marL="3240176" indent="0">
-              <a:buNone/>
-              <a:defRPr sz="1417"/>
+            <a:lvl6pPr marL="3047924" indent="0">
+              <a:buNone/>
+              <a:defRPr sz="1333"/>
             </a:lvl6pPr>
-            <a:lvl7pPr marL="3888212" indent="0">
-              <a:buNone/>
-              <a:defRPr sz="1417"/>
+            <a:lvl7pPr marL="3657509" indent="0">
+              <a:buNone/>
+              <a:defRPr sz="1333"/>
             </a:lvl7pPr>
-            <a:lvl8pPr marL="4536247" indent="0">
-              <a:buNone/>
-              <a:defRPr sz="1417"/>
+            <a:lvl8pPr marL="4267093" indent="0">
+              <a:buNone/>
+              <a:defRPr sz="1333"/>
             </a:lvl8pPr>
-            <a:lvl9pPr marL="5184282" indent="0">
-              <a:buNone/>
-              <a:defRPr sz="1417"/>
+            <a:lvl9pPr marL="4876678" indent="0">
+              <a:buNone/>
+              <a:defRPr sz="1333"/>
             </a:lvl9pPr>
           </a:lstStyle>
           <a:p>
             <a:pPr lvl="0"/>
             <a:r>
-              <a:rPr lang="en-US"/>
-              <a:t>Edit Master text styles</a:t>
+              <a:rPr lang="en-US" smtClean="0"/>
+              <a:t>Click to edit Master text styles</a:t>
             </a:r>
           </a:p>
         </p:txBody>
@@ -2355,7 +2355,7 @@
           <a:p>
             <a:fld id="{18A28253-4B93-4F10-A248-DA5D859E28EF}" type="datetimeFigureOut">
               <a:rPr lang="en-US" smtClean="0"/>
-              <a:t>7/29/2016</a:t>
+              <a:t>11/6/16</a:t>
             </a:fld>
             <a:endParaRPr lang="en-US"/>
           </a:p>
@@ -2406,7 +2406,7 @@
     </p:spTree>
     <p:extLst>
       <p:ext uri="{BB962C8B-B14F-4D97-AF65-F5344CB8AC3E}">
-        <p14:creationId xmlns:p14="http://schemas.microsoft.com/office/powerpoint/2010/main" val="1199911608"/>
+        <p14:creationId xmlns:p14="http://schemas.microsoft.com/office/powerpoint/2010/main" val="1356575606"/>
       </p:ext>
     </p:extLst>
   </p:cSld>
@@ -2450,8 +2450,8 @@
         </p:nvSpPr>
         <p:spPr>
           <a:xfrm>
-            <a:off x="1383030" y="517514"/>
-            <a:ext cx="17350740" cy="1878802"/>
+            <a:off x="1383030" y="486834"/>
+            <a:ext cx="17350740" cy="1767417"/>
           </a:xfrm>
           <a:prstGeom prst="rect">
             <a:avLst/>
@@ -2464,7 +2464,7 @@
           <a:lstStyle/>
           <a:p>
             <a:r>
-              <a:rPr lang="en-US"/>
+              <a:rPr lang="en-US" smtClean="0"/>
               <a:t>Click to edit Master title style</a:t>
             </a:r>
             <a:endParaRPr lang="en-US" dirty="0"/>
@@ -2483,8 +2483,8 @@
         </p:nvSpPr>
         <p:spPr>
           <a:xfrm>
-            <a:off x="1383030" y="2587570"/>
-            <a:ext cx="17350740" cy="6167418"/>
+            <a:off x="1383030" y="2434167"/>
+            <a:ext cx="17350740" cy="5801784"/>
           </a:xfrm>
           <a:prstGeom prst="rect">
             <a:avLst/>
@@ -2498,35 +2498,35 @@
           <a:p>
             <a:pPr lvl="0"/>
             <a:r>
-              <a:rPr lang="en-US"/>
-              <a:t>Edit Master text styles</a:t>
+              <a:rPr lang="en-US" smtClean="0"/>
+              <a:t>Click to edit Master text styles</a:t>
             </a:r>
           </a:p>
           <a:p>
             <a:pPr lvl="1"/>
             <a:r>
-              <a:rPr lang="en-US"/>
+              <a:rPr lang="en-US" smtClean="0"/>
               <a:t>Second level</a:t>
             </a:r>
           </a:p>
           <a:p>
             <a:pPr lvl="2"/>
             <a:r>
-              <a:rPr lang="en-US"/>
+              <a:rPr lang="en-US" smtClean="0"/>
               <a:t>Third level</a:t>
             </a:r>
           </a:p>
           <a:p>
             <a:pPr lvl="3"/>
             <a:r>
-              <a:rPr lang="en-US"/>
+              <a:rPr lang="en-US" smtClean="0"/>
               <a:t>Fourth level</a:t>
             </a:r>
           </a:p>
           <a:p>
             <a:pPr lvl="4"/>
             <a:r>
-              <a:rPr lang="en-US"/>
+              <a:rPr lang="en-US" smtClean="0"/>
               <a:t>Fifth level</a:t>
             </a:r>
             <a:endParaRPr lang="en-US" dirty="0"/>
@@ -2545,8 +2545,8 @@
         </p:nvSpPr>
         <p:spPr>
           <a:xfrm>
-            <a:off x="1383030" y="9009244"/>
-            <a:ext cx="4526280" cy="517514"/>
+            <a:off x="1383030" y="8475134"/>
+            <a:ext cx="4526280" cy="486833"/>
           </a:xfrm>
           <a:prstGeom prst="rect">
             <a:avLst/>
@@ -2556,7 +2556,7 @@
           <a:bodyPr vert="horz" lIns="91440" tIns="45720" rIns="91440" bIns="45720" rtlCol="0" anchor="ctr"/>
           <a:lstStyle>
             <a:lvl1pPr algn="l">
-              <a:defRPr sz="1701">
+              <a:defRPr sz="1600">
                 <a:solidFill>
                   <a:schemeClr val="tx1">
                     <a:tint val="75000"/>
@@ -2568,7 +2568,7 @@
           <a:p>
             <a:fld id="{18A28253-4B93-4F10-A248-DA5D859E28EF}" type="datetimeFigureOut">
               <a:rPr lang="en-US" smtClean="0"/>
-              <a:t>7/29/2016</a:t>
+              <a:t>11/6/16</a:t>
             </a:fld>
             <a:endParaRPr lang="en-US"/>
           </a:p>
@@ -2586,8 +2586,8 @@
         </p:nvSpPr>
         <p:spPr>
           <a:xfrm>
-            <a:off x="6663690" y="9009244"/>
-            <a:ext cx="6789420" cy="517514"/>
+            <a:off x="6663690" y="8475134"/>
+            <a:ext cx="6789420" cy="486833"/>
           </a:xfrm>
           <a:prstGeom prst="rect">
             <a:avLst/>
@@ -2597,7 +2597,7 @@
           <a:bodyPr vert="horz" lIns="91440" tIns="45720" rIns="91440" bIns="45720" rtlCol="0" anchor="ctr"/>
           <a:lstStyle>
             <a:lvl1pPr algn="ctr">
-              <a:defRPr sz="1701">
+              <a:defRPr sz="1600">
                 <a:solidFill>
                   <a:schemeClr val="tx1">
                     <a:tint val="75000"/>
@@ -2623,8 +2623,8 @@
         </p:nvSpPr>
         <p:spPr>
           <a:xfrm>
-            <a:off x="14207490" y="9009244"/>
-            <a:ext cx="4526280" cy="517514"/>
+            <a:off x="14207490" y="8475134"/>
+            <a:ext cx="4526280" cy="486833"/>
           </a:xfrm>
           <a:prstGeom prst="rect">
             <a:avLst/>
@@ -2634,7 +2634,7 @@
           <a:bodyPr vert="horz" lIns="91440" tIns="45720" rIns="91440" bIns="45720" rtlCol="0" anchor="ctr"/>
           <a:lstStyle>
             <a:lvl1pPr algn="r">
-              <a:defRPr sz="1701">
+              <a:defRPr sz="1600">
                 <a:solidFill>
                   <a:schemeClr val="tx1">
                     <a:tint val="75000"/>
@@ -2655,27 +2655,27 @@
     </p:spTree>
     <p:extLst>
       <p:ext uri="{BB962C8B-B14F-4D97-AF65-F5344CB8AC3E}">
-        <p14:creationId xmlns:p14="http://schemas.microsoft.com/office/powerpoint/2010/main" val="3287097417"/>
+        <p14:creationId xmlns:p14="http://schemas.microsoft.com/office/powerpoint/2010/main" val="2327400962"/>
       </p:ext>
     </p:extLst>
   </p:cSld>
   <p:clrMap bg1="lt1" tx1="dk1" bg2="lt2" tx2="dk2" accent1="accent1" accent2="accent2" accent3="accent3" accent4="accent4" accent5="accent5" accent6="accent6" hlink="hlink" folHlink="folHlink"/>
   <p:sldLayoutIdLst>
-    <p:sldLayoutId id="2147483901" r:id="rId1"/>
-    <p:sldLayoutId id="2147483902" r:id="rId2"/>
-    <p:sldLayoutId id="2147483903" r:id="rId3"/>
-    <p:sldLayoutId id="2147483904" r:id="rId4"/>
-    <p:sldLayoutId id="2147483905" r:id="rId5"/>
-    <p:sldLayoutId id="2147483906" r:id="rId6"/>
-    <p:sldLayoutId id="2147483907" r:id="rId7"/>
-    <p:sldLayoutId id="2147483908" r:id="rId8"/>
-    <p:sldLayoutId id="2147483909" r:id="rId9"/>
-    <p:sldLayoutId id="2147483910" r:id="rId10"/>
-    <p:sldLayoutId id="2147483911" r:id="rId11"/>
+    <p:sldLayoutId id="2147483889" r:id="rId1"/>
+    <p:sldLayoutId id="2147483890" r:id="rId2"/>
+    <p:sldLayoutId id="2147483891" r:id="rId3"/>
+    <p:sldLayoutId id="2147483892" r:id="rId4"/>
+    <p:sldLayoutId id="2147483893" r:id="rId5"/>
+    <p:sldLayoutId id="2147483894" r:id="rId6"/>
+    <p:sldLayoutId id="2147483895" r:id="rId7"/>
+    <p:sldLayoutId id="2147483896" r:id="rId8"/>
+    <p:sldLayoutId id="2147483897" r:id="rId9"/>
+    <p:sldLayoutId id="2147483898" r:id="rId10"/>
+    <p:sldLayoutId id="2147483899" r:id="rId11"/>
   </p:sldLayoutIdLst>
   <p:txStyles>
     <p:titleStyle>
-      <a:lvl1pPr algn="l" defTabSz="1296071" rtl="0" eaLnBrk="1" latinLnBrk="0" hangingPunct="1">
+      <a:lvl1pPr algn="l" defTabSz="1219170" rtl="0" eaLnBrk="1" latinLnBrk="0" hangingPunct="1">
         <a:lnSpc>
           <a:spcPct val="90000"/>
         </a:lnSpc>
@@ -2683,7 +2683,7 @@
           <a:spcPct val="0"/>
         </a:spcBef>
         <a:buNone/>
-        <a:defRPr sz="6237" kern="1200">
+        <a:defRPr sz="5867" kern="1200">
           <a:solidFill>
             <a:schemeClr val="tx1"/>
           </a:solidFill>
@@ -2694,16 +2694,16 @@
       </a:lvl1pPr>
     </p:titleStyle>
     <p:bodyStyle>
-      <a:lvl1pPr marL="324018" indent="-324018" algn="l" defTabSz="1296071" rtl="0" eaLnBrk="1" latinLnBrk="0" hangingPunct="1">
+      <a:lvl1pPr marL="304792" indent="-304792" algn="l" defTabSz="1219170" rtl="0" eaLnBrk="1" latinLnBrk="0" hangingPunct="1">
         <a:lnSpc>
           <a:spcPct val="90000"/>
         </a:lnSpc>
         <a:spcBef>
-          <a:spcPts val="1417"/>
+          <a:spcPts val="1333"/>
         </a:spcBef>
         <a:buFont typeface="Arial" panose="020B0604020202020204" pitchFamily="34" charset="0"/>
         <a:buChar char="•"/>
-        <a:defRPr sz="3969" kern="1200">
+        <a:defRPr sz="3733" kern="1200">
           <a:solidFill>
             <a:schemeClr val="tx1"/>
           </a:solidFill>
@@ -2712,16 +2712,16 @@
           <a:cs typeface="+mn-cs"/>
         </a:defRPr>
       </a:lvl1pPr>
-      <a:lvl2pPr marL="972053" indent="-324018" algn="l" defTabSz="1296071" rtl="0" eaLnBrk="1" latinLnBrk="0" hangingPunct="1">
+      <a:lvl2pPr marL="914377" indent="-304792" algn="l" defTabSz="1219170" rtl="0" eaLnBrk="1" latinLnBrk="0" hangingPunct="1">
         <a:lnSpc>
           <a:spcPct val="90000"/>
         </a:lnSpc>
         <a:spcBef>
-          <a:spcPts val="709"/>
+          <a:spcPts val="667"/>
         </a:spcBef>
         <a:buFont typeface="Arial" panose="020B0604020202020204" pitchFamily="34" charset="0"/>
         <a:buChar char="•"/>
-        <a:defRPr sz="3402" kern="1200">
+        <a:defRPr sz="3200" kern="1200">
           <a:solidFill>
             <a:schemeClr val="tx1"/>
           </a:solidFill>
@@ -2730,16 +2730,16 @@
           <a:cs typeface="+mn-cs"/>
         </a:defRPr>
       </a:lvl2pPr>
-      <a:lvl3pPr marL="1620088" indent="-324018" algn="l" defTabSz="1296071" rtl="0" eaLnBrk="1" latinLnBrk="0" hangingPunct="1">
+      <a:lvl3pPr marL="1523962" indent="-304792" algn="l" defTabSz="1219170" rtl="0" eaLnBrk="1" latinLnBrk="0" hangingPunct="1">
         <a:lnSpc>
           <a:spcPct val="90000"/>
         </a:lnSpc>
         <a:spcBef>
-          <a:spcPts val="709"/>
+          <a:spcPts val="667"/>
         </a:spcBef>
         <a:buFont typeface="Arial" panose="020B0604020202020204" pitchFamily="34" charset="0"/>
         <a:buChar char="•"/>
-        <a:defRPr sz="2835" kern="1200">
+        <a:defRPr sz="2667" kern="1200">
           <a:solidFill>
             <a:schemeClr val="tx1"/>
           </a:solidFill>
@@ -2748,16 +2748,16 @@
           <a:cs typeface="+mn-cs"/>
         </a:defRPr>
       </a:lvl3pPr>
-      <a:lvl4pPr marL="2268123" indent="-324018" algn="l" defTabSz="1296071" rtl="0" eaLnBrk="1" latinLnBrk="0" hangingPunct="1">
+      <a:lvl4pPr marL="2133547" indent="-304792" algn="l" defTabSz="1219170" rtl="0" eaLnBrk="1" latinLnBrk="0" hangingPunct="1">
         <a:lnSpc>
           <a:spcPct val="90000"/>
         </a:lnSpc>
         <a:spcBef>
-          <a:spcPts val="709"/>
+          <a:spcPts val="667"/>
         </a:spcBef>
         <a:buFont typeface="Arial" panose="020B0604020202020204" pitchFamily="34" charset="0"/>
         <a:buChar char="•"/>
-        <a:defRPr sz="2551" kern="1200">
+        <a:defRPr sz="2400" kern="1200">
           <a:solidFill>
             <a:schemeClr val="tx1"/>
           </a:solidFill>
@@ -2766,16 +2766,16 @@
           <a:cs typeface="+mn-cs"/>
         </a:defRPr>
       </a:lvl4pPr>
-      <a:lvl5pPr marL="2916159" indent="-324018" algn="l" defTabSz="1296071" rtl="0" eaLnBrk="1" latinLnBrk="0" hangingPunct="1">
+      <a:lvl5pPr marL="2743131" indent="-304792" algn="l" defTabSz="1219170" rtl="0" eaLnBrk="1" latinLnBrk="0" hangingPunct="1">
         <a:lnSpc>
           <a:spcPct val="90000"/>
         </a:lnSpc>
         <a:spcBef>
-          <a:spcPts val="709"/>
+          <a:spcPts val="667"/>
         </a:spcBef>
         <a:buFont typeface="Arial" panose="020B0604020202020204" pitchFamily="34" charset="0"/>
         <a:buChar char="•"/>
-        <a:defRPr sz="2551" kern="1200">
+        <a:defRPr sz="2400" kern="1200">
           <a:solidFill>
             <a:schemeClr val="tx1"/>
           </a:solidFill>
@@ -2784,16 +2784,16 @@
           <a:cs typeface="+mn-cs"/>
         </a:defRPr>
       </a:lvl5pPr>
-      <a:lvl6pPr marL="3564194" indent="-324018" algn="l" defTabSz="1296071" rtl="0" eaLnBrk="1" latinLnBrk="0" hangingPunct="1">
+      <a:lvl6pPr marL="3352716" indent="-304792" algn="l" defTabSz="1219170" rtl="0" eaLnBrk="1" latinLnBrk="0" hangingPunct="1">
         <a:lnSpc>
           <a:spcPct val="90000"/>
         </a:lnSpc>
         <a:spcBef>
-          <a:spcPts val="709"/>
+          <a:spcPts val="667"/>
         </a:spcBef>
         <a:buFont typeface="Arial" panose="020B0604020202020204" pitchFamily="34" charset="0"/>
         <a:buChar char="•"/>
-        <a:defRPr sz="2551" kern="1200">
+        <a:defRPr sz="2400" kern="1200">
           <a:solidFill>
             <a:schemeClr val="tx1"/>
           </a:solidFill>
@@ -2802,16 +2802,16 @@
           <a:cs typeface="+mn-cs"/>
         </a:defRPr>
       </a:lvl6pPr>
-      <a:lvl7pPr marL="4212229" indent="-324018" algn="l" defTabSz="1296071" rtl="0" eaLnBrk="1" latinLnBrk="0" hangingPunct="1">
+      <a:lvl7pPr marL="3962301" indent="-304792" algn="l" defTabSz="1219170" rtl="0" eaLnBrk="1" latinLnBrk="0" hangingPunct="1">
         <a:lnSpc>
           <a:spcPct val="90000"/>
         </a:lnSpc>
         <a:spcBef>
-          <a:spcPts val="709"/>
+          <a:spcPts val="667"/>
         </a:spcBef>
         <a:buFont typeface="Arial" panose="020B0604020202020204" pitchFamily="34" charset="0"/>
         <a:buChar char="•"/>
-        <a:defRPr sz="2551" kern="1200">
+        <a:defRPr sz="2400" kern="1200">
           <a:solidFill>
             <a:schemeClr val="tx1"/>
           </a:solidFill>
@@ -2820,16 +2820,16 @@
           <a:cs typeface="+mn-cs"/>
         </a:defRPr>
       </a:lvl7pPr>
-      <a:lvl8pPr marL="4860265" indent="-324018" algn="l" defTabSz="1296071" rtl="0" eaLnBrk="1" latinLnBrk="0" hangingPunct="1">
+      <a:lvl8pPr marL="4571886" indent="-304792" algn="l" defTabSz="1219170" rtl="0" eaLnBrk="1" latinLnBrk="0" hangingPunct="1">
         <a:lnSpc>
           <a:spcPct val="90000"/>
         </a:lnSpc>
         <a:spcBef>
-          <a:spcPts val="709"/>
+          <a:spcPts val="667"/>
         </a:spcBef>
         <a:buFont typeface="Arial" panose="020B0604020202020204" pitchFamily="34" charset="0"/>
         <a:buChar char="•"/>
-        <a:defRPr sz="2551" kern="1200">
+        <a:defRPr sz="2400" kern="1200">
           <a:solidFill>
             <a:schemeClr val="tx1"/>
           </a:solidFill>
@@ -2838,16 +2838,16 @@
           <a:cs typeface="+mn-cs"/>
         </a:defRPr>
       </a:lvl8pPr>
-      <a:lvl9pPr marL="5508300" indent="-324018" algn="l" defTabSz="1296071" rtl="0" eaLnBrk="1" latinLnBrk="0" hangingPunct="1">
+      <a:lvl9pPr marL="5181470" indent="-304792" algn="l" defTabSz="1219170" rtl="0" eaLnBrk="1" latinLnBrk="0" hangingPunct="1">
         <a:lnSpc>
           <a:spcPct val="90000"/>
         </a:lnSpc>
         <a:spcBef>
-          <a:spcPts val="709"/>
+          <a:spcPts val="667"/>
         </a:spcBef>
         <a:buFont typeface="Arial" panose="020B0604020202020204" pitchFamily="34" charset="0"/>
         <a:buChar char="•"/>
-        <a:defRPr sz="2551" kern="1200">
+        <a:defRPr sz="2400" kern="1200">
           <a:solidFill>
             <a:schemeClr val="tx1"/>
           </a:solidFill>
@@ -2861,8 +2861,8 @@
       <a:defPPr>
         <a:defRPr lang="en-US"/>
       </a:defPPr>
-      <a:lvl1pPr marL="0" algn="l" defTabSz="1296071" rtl="0" eaLnBrk="1" latinLnBrk="0" hangingPunct="1">
-        <a:defRPr sz="2551" kern="1200">
+      <a:lvl1pPr marL="0" algn="l" defTabSz="1219170" rtl="0" eaLnBrk="1" latinLnBrk="0" hangingPunct="1">
+        <a:defRPr sz="2400" kern="1200">
           <a:solidFill>
             <a:schemeClr val="tx1"/>
           </a:solidFill>
@@ -2871,8 +2871,8 @@
           <a:cs typeface="+mn-cs"/>
         </a:defRPr>
       </a:lvl1pPr>
-      <a:lvl2pPr marL="648035" algn="l" defTabSz="1296071" rtl="0" eaLnBrk="1" latinLnBrk="0" hangingPunct="1">
-        <a:defRPr sz="2551" kern="1200">
+      <a:lvl2pPr marL="609585" algn="l" defTabSz="1219170" rtl="0" eaLnBrk="1" latinLnBrk="0" hangingPunct="1">
+        <a:defRPr sz="2400" kern="1200">
           <a:solidFill>
             <a:schemeClr val="tx1"/>
           </a:solidFill>
@@ -2881,8 +2881,8 @@
           <a:cs typeface="+mn-cs"/>
         </a:defRPr>
       </a:lvl2pPr>
-      <a:lvl3pPr marL="1296071" algn="l" defTabSz="1296071" rtl="0" eaLnBrk="1" latinLnBrk="0" hangingPunct="1">
-        <a:defRPr sz="2551" kern="1200">
+      <a:lvl3pPr marL="1219170" algn="l" defTabSz="1219170" rtl="0" eaLnBrk="1" latinLnBrk="0" hangingPunct="1">
+        <a:defRPr sz="2400" kern="1200">
           <a:solidFill>
             <a:schemeClr val="tx1"/>
           </a:solidFill>
@@ -2891,8 +2891,8 @@
           <a:cs typeface="+mn-cs"/>
         </a:defRPr>
       </a:lvl3pPr>
-      <a:lvl4pPr marL="1944106" algn="l" defTabSz="1296071" rtl="0" eaLnBrk="1" latinLnBrk="0" hangingPunct="1">
-        <a:defRPr sz="2551" kern="1200">
+      <a:lvl4pPr marL="1828754" algn="l" defTabSz="1219170" rtl="0" eaLnBrk="1" latinLnBrk="0" hangingPunct="1">
+        <a:defRPr sz="2400" kern="1200">
           <a:solidFill>
             <a:schemeClr val="tx1"/>
           </a:solidFill>
@@ -2901,8 +2901,8 @@
           <a:cs typeface="+mn-cs"/>
         </a:defRPr>
       </a:lvl4pPr>
-      <a:lvl5pPr marL="2592141" algn="l" defTabSz="1296071" rtl="0" eaLnBrk="1" latinLnBrk="0" hangingPunct="1">
-        <a:defRPr sz="2551" kern="1200">
+      <a:lvl5pPr marL="2438339" algn="l" defTabSz="1219170" rtl="0" eaLnBrk="1" latinLnBrk="0" hangingPunct="1">
+        <a:defRPr sz="2400" kern="1200">
           <a:solidFill>
             <a:schemeClr val="tx1"/>
           </a:solidFill>
@@ -2911,8 +2911,8 @@
           <a:cs typeface="+mn-cs"/>
         </a:defRPr>
       </a:lvl5pPr>
-      <a:lvl6pPr marL="3240176" algn="l" defTabSz="1296071" rtl="0" eaLnBrk="1" latinLnBrk="0" hangingPunct="1">
-        <a:defRPr sz="2551" kern="1200">
+      <a:lvl6pPr marL="3047924" algn="l" defTabSz="1219170" rtl="0" eaLnBrk="1" latinLnBrk="0" hangingPunct="1">
+        <a:defRPr sz="2400" kern="1200">
           <a:solidFill>
             <a:schemeClr val="tx1"/>
           </a:solidFill>
@@ -2921,8 +2921,8 @@
           <a:cs typeface="+mn-cs"/>
         </a:defRPr>
       </a:lvl6pPr>
-      <a:lvl7pPr marL="3888212" algn="l" defTabSz="1296071" rtl="0" eaLnBrk="1" latinLnBrk="0" hangingPunct="1">
-        <a:defRPr sz="2551" kern="1200">
+      <a:lvl7pPr marL="3657509" algn="l" defTabSz="1219170" rtl="0" eaLnBrk="1" latinLnBrk="0" hangingPunct="1">
+        <a:defRPr sz="2400" kern="1200">
           <a:solidFill>
             <a:schemeClr val="tx1"/>
           </a:solidFill>
@@ -2931,8 +2931,8 @@
           <a:cs typeface="+mn-cs"/>
         </a:defRPr>
       </a:lvl7pPr>
-      <a:lvl8pPr marL="4536247" algn="l" defTabSz="1296071" rtl="0" eaLnBrk="1" latinLnBrk="0" hangingPunct="1">
-        <a:defRPr sz="2551" kern="1200">
+      <a:lvl8pPr marL="4267093" algn="l" defTabSz="1219170" rtl="0" eaLnBrk="1" latinLnBrk="0" hangingPunct="1">
+        <a:defRPr sz="2400" kern="1200">
           <a:solidFill>
             <a:schemeClr val="tx1"/>
           </a:solidFill>
@@ -2941,8 +2941,8 @@
           <a:cs typeface="+mn-cs"/>
         </a:defRPr>
       </a:lvl8pPr>
-      <a:lvl9pPr marL="5184282" algn="l" defTabSz="1296071" rtl="0" eaLnBrk="1" latinLnBrk="0" hangingPunct="1">
-        <a:defRPr sz="2551" kern="1200">
+      <a:lvl9pPr marL="4876678" algn="l" defTabSz="1219170" rtl="0" eaLnBrk="1" latinLnBrk="0" hangingPunct="1">
+        <a:defRPr sz="2400" kern="1200">
           <a:solidFill>
             <a:schemeClr val="tx1"/>
           </a:solidFill>
@@ -2975,29 +2975,24 @@
       </p:grpSpPr>
       <p:sp>
         <p:nvSpPr>
-          <p:cNvPr id="2117" name="Rounded Rectangle 2116"/>
+          <p:cNvPr id="51" name="Rounded Rectangle 50"/>
           <p:cNvSpPr/>
           <p:nvPr/>
         </p:nvSpPr>
         <p:spPr>
           <a:xfrm>
-            <a:off x="11549289" y="991416"/>
-            <a:ext cx="1763691" cy="843466"/>
+            <a:off x="527665" y="519966"/>
+            <a:ext cx="2420471" cy="806824"/>
           </a:xfrm>
           <a:prstGeom prst="roundRect">
             <a:avLst/>
           </a:prstGeom>
-          <a:solidFill>
-            <a:schemeClr val="accent6">
-              <a:lumMod val="40000"/>
-              <a:lumOff val="60000"/>
-            </a:schemeClr>
-          </a:solidFill>
+          <a:noFill/>
           <a:ln w="31750">
             <a:solidFill>
-              <a:srgbClr val="666633">
+              <a:schemeClr val="tx1">
                 <a:alpha val="63000"/>
-              </a:srgbClr>
+              </a:schemeClr>
             </a:solidFill>
             <a:headEnd w="lg" len="lg"/>
             <a:tailEnd type="triangle"/>
@@ -3023,52 +3018,39 @@
           <a:p>
             <a:pPr algn="ctr"/>
             <a:r>
-              <a:rPr lang="en-US" sz="2400" dirty="0">
-                <a:solidFill>
-                  <a:srgbClr val="666633"/>
-                </a:solidFill>
-              </a:rPr>
-              <a:t>Method</a:t>
+              <a:rPr lang="en-US" sz="2800" dirty="0"/>
+              <a:t>Method </a:t>
             </a:r>
           </a:p>
           <a:p>
             <a:pPr algn="ctr"/>
             <a:r>
-              <a:rPr lang="en-US" sz="2400" dirty="0">
-                <a:solidFill>
-                  <a:srgbClr val="666633"/>
-                </a:solidFill>
-              </a:rPr>
-              <a:t>method 2</a:t>
-            </a:r>
-          </a:p>
-        </p:txBody>
-      </p:sp>
-      <p:sp>
-        <p:nvSpPr>
-          <p:cNvPr id="355" name="Rounded Rectangle 354"/>
+              <a:rPr lang="en-US" sz="2800" dirty="0"/>
+              <a:t>Declaration 1</a:t>
+            </a:r>
+          </a:p>
+        </p:txBody>
+      </p:sp>
+      <p:sp>
+        <p:nvSpPr>
+          <p:cNvPr id="53" name="Rounded Rectangle 52"/>
           <p:cNvSpPr/>
           <p:nvPr/>
         </p:nvSpPr>
         <p:spPr>
           <a:xfrm>
-            <a:off x="13228281" y="2159379"/>
-            <a:ext cx="3353362" cy="843466"/>
+            <a:off x="2534763" y="1669537"/>
+            <a:ext cx="2420471" cy="806824"/>
           </a:xfrm>
           <a:prstGeom prst="roundRect">
             <a:avLst/>
           </a:prstGeom>
-          <a:solidFill>
-            <a:schemeClr val="accent6">
-              <a:lumMod val="40000"/>
-              <a:lumOff val="60000"/>
-            </a:schemeClr>
-          </a:solidFill>
+          <a:noFill/>
           <a:ln w="31750">
             <a:solidFill>
-              <a:srgbClr val="666633">
+              <a:schemeClr val="tx1">
                 <a:alpha val="63000"/>
-              </a:srgbClr>
+              </a:schemeClr>
             </a:solidFill>
             <a:headEnd w="lg" len="lg"/>
             <a:tailEnd type="triangle"/>
@@ -3094,65 +3076,32 @@
           <a:p>
             <a:pPr algn="ctr"/>
             <a:r>
-              <a:rPr lang="en-US" sz="2400" dirty="0">
-                <a:solidFill>
-                  <a:srgbClr val="666633"/>
-                </a:solidFill>
-              </a:rPr>
-              <a:t>If Statement </a:t>
-            </a:r>
-          </a:p>
-          <a:p>
-            <a:pPr algn="ctr"/>
-            <a:r>
-              <a:rPr lang="en-US" sz="2400" dirty="0">
-                <a:solidFill>
-                  <a:srgbClr val="666633"/>
-                </a:solidFill>
-              </a:rPr>
-              <a:t>i</a:t>
-            </a:r>
-            <a:r>
-              <a:rPr lang="en-US" sz="2400">
-                <a:solidFill>
-                  <a:srgbClr val="666633"/>
-                </a:solidFill>
-              </a:rPr>
-              <a:t>f </a:t>
-            </a:r>
-            <a:r>
-              <a:rPr lang="en-US" sz="2400" dirty="0">
-                <a:solidFill>
-                  <a:srgbClr val="666633"/>
-                </a:solidFill>
-              </a:rPr>
-              <a:t>statement 3</a:t>
-            </a:r>
-          </a:p>
-        </p:txBody>
-      </p:sp>
-      <p:sp>
-        <p:nvSpPr>
-          <p:cNvPr id="365" name="Rounded Rectangle 364"/>
+              <a:rPr lang="en-US" sz="2800" dirty="0"/>
+              <a:t>Block 1</a:t>
+            </a:r>
+          </a:p>
+        </p:txBody>
+      </p:sp>
+      <p:sp>
+        <p:nvSpPr>
+          <p:cNvPr id="57" name="Rounded Rectangle 56"/>
           <p:cNvSpPr/>
           <p:nvPr/>
         </p:nvSpPr>
         <p:spPr>
           <a:xfrm>
-            <a:off x="16226624" y="3460264"/>
-            <a:ext cx="3460389" cy="843469"/>
+            <a:off x="4634396" y="2870780"/>
+            <a:ext cx="2420471" cy="806824"/>
           </a:xfrm>
           <a:prstGeom prst="roundRect">
             <a:avLst/>
           </a:prstGeom>
-          <a:solidFill>
-            <a:srgbClr val="FFFF81"/>
-          </a:solidFill>
+          <a:noFill/>
           <a:ln w="31750">
             <a:solidFill>
-              <a:srgbClr val="666633">
+              <a:schemeClr val="tx1">
                 <a:alpha val="63000"/>
-              </a:srgbClr>
+              </a:schemeClr>
             </a:solidFill>
             <a:headEnd w="lg" len="lg"/>
             <a:tailEnd type="triangle"/>
@@ -3177,57 +3126,26 @@
           <a:lstStyle/>
           <a:p>
             <a:pPr algn="ctr"/>
-            <a:endParaRPr lang="en-US" sz="2400" dirty="0">
-              <a:solidFill>
-                <a:srgbClr val="666633"/>
-              </a:solidFill>
-            </a:endParaRPr>
-          </a:p>
-          <a:p>
-            <a:pPr algn="ctr"/>
-            <a:r>
-              <a:rPr lang="en-US" sz="2400" dirty="0">
-                <a:solidFill>
-                  <a:srgbClr val="666633"/>
-                </a:solidFill>
-              </a:rPr>
-              <a:t>Method Invocation</a:t>
-            </a:r>
-          </a:p>
-          <a:p>
-            <a:pPr algn="ctr"/>
-            <a:r>
-              <a:rPr lang="en-US" sz="2400" dirty="0">
-                <a:solidFill>
-                  <a:srgbClr val="666633"/>
-                </a:solidFill>
-              </a:rPr>
-              <a:t>log 3</a:t>
-            </a:r>
-          </a:p>
-          <a:p>
-            <a:pPr algn="ctr"/>
-            <a:endParaRPr lang="en-US" sz="2400" dirty="0">
-              <a:solidFill>
-                <a:srgbClr val="666633"/>
-              </a:solidFill>
-            </a:endParaRPr>
+            <a:r>
+              <a:rPr lang="en-US" sz="2800" dirty="0"/>
+              <a:t>If Statement 1</a:t>
+            </a:r>
           </a:p>
         </p:txBody>
       </p:sp>
       <p:cxnSp>
         <p:nvCxnSpPr>
-          <p:cNvPr id="2129" name="Elbow Connector 2128"/>
+          <p:cNvPr id="62" name="Elbow Connector 61"/>
           <p:cNvCxnSpPr>
-            <a:stCxn id="2117" idx="2"/>
-            <a:endCxn id="355" idx="1"/>
+            <a:stCxn id="51" idx="2"/>
+            <a:endCxn id="53" idx="1"/>
           </p:cNvCxnSpPr>
           <p:nvPr/>
         </p:nvCxnSpPr>
         <p:spPr>
           <a:xfrm rot="16200000" flipH="1">
-            <a:off x="12456597" y="1809428"/>
-            <a:ext cx="746229" cy="797159"/>
+            <a:off x="1763253" y="1301438"/>
+            <a:ext cx="746159" cy="796862"/>
           </a:xfrm>
           <a:prstGeom prst="bentConnector2">
             <a:avLst/>
@@ -3240,9 +3158,9 @@
           </a:solidFill>
           <a:ln w="31750">
             <a:solidFill>
-              <a:srgbClr val="666633">
+              <a:schemeClr val="tx1">
                 <a:alpha val="63000"/>
-              </a:srgbClr>
+              </a:schemeClr>
             </a:solidFill>
             <a:headEnd w="lg" len="lg"/>
             <a:tailEnd type="triangle"/>
@@ -3265,14 +3183,16 @@
       </p:cxnSp>
       <p:cxnSp>
         <p:nvCxnSpPr>
-          <p:cNvPr id="2133" name="Elbow Connector 2132"/>
-          <p:cNvCxnSpPr/>
+          <p:cNvPr id="64" name="Elbow Connector 63"/>
+          <p:cNvCxnSpPr>
+            <a:endCxn id="58" idx="1"/>
+          </p:cNvCxnSpPr>
           <p:nvPr/>
         </p:nvCxnSpPr>
         <p:spPr>
           <a:xfrm rot="16200000" flipH="1">
-            <a:off x="15175035" y="2802915"/>
-            <a:ext cx="879147" cy="1321648"/>
+            <a:off x="2954729" y="4029039"/>
+            <a:ext cx="2471408" cy="893813"/>
           </a:xfrm>
           <a:prstGeom prst="bentConnector2">
             <a:avLst/>
@@ -3285,9 +3205,9 @@
           </a:solidFill>
           <a:ln w="31750">
             <a:solidFill>
-              <a:srgbClr val="666633">
+              <a:schemeClr val="tx1">
                 <a:alpha val="63000"/>
-              </a:srgbClr>
+              </a:schemeClr>
             </a:solidFill>
             <a:headEnd w="lg" len="lg"/>
             <a:tailEnd type="triangle"/>
@@ -3308,35 +3228,26 @@
           </a:fontRef>
         </p:style>
       </p:cxnSp>
-      <p:cxnSp>
-        <p:nvCxnSpPr>
-          <p:cNvPr id="2135" name="Elbow Connector 2134"/>
-          <p:cNvCxnSpPr>
-            <a:endCxn id="96" idx="1"/>
-          </p:cNvCxnSpPr>
+      <p:sp>
+        <p:nvSpPr>
+          <p:cNvPr id="69" name="Rounded Rectangle 68"/>
+          <p:cNvSpPr/>
           <p:nvPr/>
-        </p:nvCxnSpPr>
+        </p:nvSpPr>
         <p:spPr>
           <a:xfrm>
-            <a:off x="14969147" y="3881997"/>
-            <a:ext cx="1257476" cy="1221718"/>
-          </a:xfrm>
-          <a:prstGeom prst="bentConnector3">
-            <a:avLst>
-              <a:gd name="adj1" fmla="val -1710"/>
-            </a:avLst>
+            <a:off x="6596066" y="4105975"/>
+            <a:ext cx="2420471" cy="806824"/>
+          </a:xfrm>
+          <a:prstGeom prst="roundRect">
+            <a:avLst/>
           </a:prstGeom>
-          <a:solidFill>
-            <a:schemeClr val="accent6">
-              <a:lumMod val="40000"/>
-              <a:lumOff val="60000"/>
-            </a:schemeClr>
-          </a:solidFill>
+          <a:noFill/>
           <a:ln w="31750">
             <a:solidFill>
-              <a:srgbClr val="666633">
+              <a:schemeClr val="tx1">
                 <a:alpha val="63000"/>
-              </a:srgbClr>
+              </a:schemeClr>
             </a:solidFill>
             <a:headEnd w="lg" len="lg"/>
             <a:tailEnd type="triangle"/>
@@ -3356,162 +3267,43 @@
             <a:schemeClr val="tx1"/>
           </a:fontRef>
         </p:style>
-      </p:cxnSp>
-      <p:sp>
-        <p:nvSpPr>
-          <p:cNvPr id="48" name="Rounded Rectangle 47"/>
-          <p:cNvSpPr/>
-          <p:nvPr/>
-        </p:nvSpPr>
-        <p:spPr>
-          <a:xfrm>
-            <a:off x="392885" y="956509"/>
-            <a:ext cx="1660696" cy="843469"/>
-          </a:xfrm>
-          <a:prstGeom prst="roundRect">
-            <a:avLst/>
-          </a:prstGeom>
-          <a:solidFill>
-            <a:schemeClr val="accent6">
-              <a:lumMod val="40000"/>
-              <a:lumOff val="60000"/>
-            </a:schemeClr>
-          </a:solidFill>
-          <a:ln w="31750">
-            <a:solidFill>
-              <a:srgbClr val="666633">
-                <a:alpha val="63000"/>
-              </a:srgbClr>
-            </a:solidFill>
-            <a:headEnd w="lg" len="lg"/>
-            <a:tailEnd type="triangle"/>
-          </a:ln>
-        </p:spPr>
-        <p:style>
-          <a:lnRef idx="1">
-            <a:schemeClr val="accent1"/>
-          </a:lnRef>
-          <a:fillRef idx="0">
-            <a:schemeClr val="accent1"/>
-          </a:fillRef>
-          <a:effectRef idx="0">
-            <a:schemeClr val="accent1"/>
-          </a:effectRef>
-          <a:fontRef idx="minor">
-            <a:schemeClr val="tx1"/>
-          </a:fontRef>
-        </p:style>
         <p:txBody>
           <a:bodyPr rtlCol="0" anchor="ctr"/>
           <a:lstStyle/>
           <a:p>
             <a:pPr algn="ctr"/>
-            <a:r>
-              <a:rPr lang="en-US" sz="2400" dirty="0">
+            <a:endParaRPr lang="en-US" sz="2800" dirty="0"/>
+          </a:p>
+          <a:p>
+            <a:pPr algn="ctr"/>
+            <a:r>
+              <a:rPr lang="en-US" sz="2800" dirty="0">
                 <a:solidFill>
-                  <a:srgbClr val="666633"/>
+                  <a:srgbClr val="C00000"/>
                 </a:solidFill>
               </a:rPr>
-              <a:t>Method </a:t>
+              <a:t>Log Statement 1 </a:t>
             </a:r>
           </a:p>
           <a:p>
             <a:pPr algn="ctr"/>
-            <a:r>
-              <a:rPr lang="en-US" sz="2400" dirty="0">
-                <a:solidFill>
-                  <a:srgbClr val="666633"/>
-                </a:solidFill>
-              </a:rPr>
-              <a:t>method1</a:t>
-            </a:r>
-          </a:p>
-        </p:txBody>
-      </p:sp>
-      <p:sp>
-        <p:nvSpPr>
-          <p:cNvPr id="49" name="Rounded Rectangle 48"/>
-          <p:cNvSpPr/>
-          <p:nvPr/>
-        </p:nvSpPr>
-        <p:spPr>
-          <a:xfrm>
-            <a:off x="1991073" y="2091007"/>
-            <a:ext cx="3158327" cy="843469"/>
-          </a:xfrm>
-          <a:prstGeom prst="roundRect">
-            <a:avLst/>
-          </a:prstGeom>
-          <a:solidFill>
-            <a:schemeClr val="accent6">
-              <a:lumMod val="40000"/>
-              <a:lumOff val="60000"/>
-            </a:schemeClr>
-          </a:solidFill>
-          <a:ln w="31750">
-            <a:solidFill>
-              <a:srgbClr val="666633">
-                <a:alpha val="63000"/>
-              </a:srgbClr>
-            </a:solidFill>
-            <a:headEnd w="lg" len="lg"/>
-            <a:tailEnd type="triangle"/>
-          </a:ln>
-        </p:spPr>
-        <p:style>
-          <a:lnRef idx="1">
-            <a:schemeClr val="accent1"/>
-          </a:lnRef>
-          <a:fillRef idx="0">
-            <a:schemeClr val="accent1"/>
-          </a:fillRef>
-          <a:effectRef idx="0">
-            <a:schemeClr val="accent1"/>
-          </a:effectRef>
-          <a:fontRef idx="minor">
-            <a:schemeClr val="tx1"/>
-          </a:fontRef>
-        </p:style>
-        <p:txBody>
-          <a:bodyPr rtlCol="0" anchor="ctr"/>
-          <a:lstStyle/>
-          <a:p>
-            <a:pPr algn="ctr"/>
-            <a:r>
-              <a:rPr lang="en-US" sz="2400" dirty="0">
-                <a:solidFill>
-                  <a:srgbClr val="666633"/>
-                </a:solidFill>
-              </a:rPr>
-              <a:t>If Statement</a:t>
-            </a:r>
-          </a:p>
-          <a:p>
-            <a:pPr algn="ctr"/>
-            <a:r>
-              <a:rPr lang="en-US" sz="2400" dirty="0">
-                <a:solidFill>
-                  <a:srgbClr val="666633"/>
-                </a:solidFill>
-              </a:rPr>
-              <a:t>if statement 1</a:t>
-            </a:r>
+            <a:endParaRPr lang="en-US" sz="2800" dirty="0"/>
           </a:p>
         </p:txBody>
       </p:sp>
       <p:cxnSp>
         <p:nvCxnSpPr>
-          <p:cNvPr id="58" name="Elbow Connector 57"/>
+          <p:cNvPr id="70" name="Elbow Connector 69"/>
           <p:cNvCxnSpPr>
-            <a:stCxn id="48" idx="2"/>
-            <a:endCxn id="49" idx="1"/>
+            <a:stCxn id="57" idx="2"/>
+            <a:endCxn id="69" idx="1"/>
           </p:cNvCxnSpPr>
           <p:nvPr/>
         </p:nvCxnSpPr>
         <p:spPr>
           <a:xfrm rot="16200000" flipH="1">
-            <a:off x="1250777" y="1772441"/>
-            <a:ext cx="712761" cy="767834"/>
+            <a:off x="5804458" y="3717778"/>
+            <a:ext cx="831783" cy="751434"/>
           </a:xfrm>
           <a:prstGeom prst="bentConnector2">
             <a:avLst/>
@@ -3524,9 +3316,9 @@
           </a:solidFill>
           <a:ln w="31750">
             <a:solidFill>
-              <a:srgbClr val="666633">
+              <a:schemeClr val="tx1">
                 <a:alpha val="63000"/>
-              </a:srgbClr>
+              </a:schemeClr>
             </a:solidFill>
             <a:headEnd w="lg" len="lg"/>
             <a:tailEnd type="triangle"/>
@@ -3549,16 +3341,17 @@
       </p:cxnSp>
       <p:cxnSp>
         <p:nvCxnSpPr>
-          <p:cNvPr id="61" name="Elbow Connector 60"/>
+          <p:cNvPr id="77" name="Elbow Connector 76"/>
           <p:cNvCxnSpPr>
-            <a:stCxn id="49" idx="2"/>
+            <a:stCxn id="53" idx="2"/>
+            <a:endCxn id="57" idx="1"/>
           </p:cNvCxnSpPr>
           <p:nvPr/>
         </p:nvCxnSpPr>
         <p:spPr>
           <a:xfrm rot="16200000" flipH="1">
-            <a:off x="3683789" y="2820918"/>
-            <a:ext cx="817058" cy="1044169"/>
+            <a:off x="3790782" y="2430578"/>
+            <a:ext cx="797831" cy="889397"/>
           </a:xfrm>
           <a:prstGeom prst="bentConnector2">
             <a:avLst/>
@@ -3571,9 +3364,9 @@
           </a:solidFill>
           <a:ln w="31750">
             <a:solidFill>
-              <a:srgbClr val="666633">
+              <a:schemeClr val="tx1">
                 <a:alpha val="63000"/>
-              </a:srgbClr>
+              </a:schemeClr>
             </a:solidFill>
             <a:headEnd w="lg" len="lg"/>
             <a:tailEnd type="triangle"/>
@@ -3596,17 +3389,16 @@
       </p:cxnSp>
       <p:cxnSp>
         <p:nvCxnSpPr>
-          <p:cNvPr id="62" name="Elbow Connector 61"/>
+          <p:cNvPr id="79" name="Elbow Connector 78"/>
           <p:cNvCxnSpPr>
-            <a:stCxn id="103" idx="2"/>
-            <a:endCxn id="106" idx="1"/>
+            <a:endCxn id="67" idx="1"/>
           </p:cNvCxnSpPr>
           <p:nvPr/>
         </p:nvCxnSpPr>
         <p:spPr>
           <a:xfrm rot="16200000" flipH="1">
-            <a:off x="3584238" y="5464284"/>
-            <a:ext cx="975042" cy="1003047"/>
+            <a:off x="16130057" y="4632682"/>
+            <a:ext cx="1235704" cy="922230"/>
           </a:xfrm>
           <a:prstGeom prst="bentConnector2">
             <a:avLst/>
@@ -3619,9 +3411,9 @@
           </a:solidFill>
           <a:ln w="31750">
             <a:solidFill>
-              <a:srgbClr val="666633">
+              <a:schemeClr val="tx1">
                 <a:alpha val="63000"/>
-              </a:srgbClr>
+              </a:schemeClr>
             </a:solidFill>
             <a:headEnd w="lg" len="lg"/>
             <a:tailEnd type="triangle"/>
@@ -3644,26 +3436,24 @@
       </p:cxnSp>
       <p:sp>
         <p:nvSpPr>
-          <p:cNvPr id="69" name="Rounded Rectangle 68"/>
+          <p:cNvPr id="125" name="Rounded Rectangle 124"/>
           <p:cNvSpPr/>
           <p:nvPr/>
         </p:nvSpPr>
         <p:spPr>
           <a:xfrm>
-            <a:off x="4575051" y="3370012"/>
-            <a:ext cx="3276309" cy="843469"/>
+            <a:off x="10999717" y="519966"/>
+            <a:ext cx="2420471" cy="806824"/>
           </a:xfrm>
           <a:prstGeom prst="roundRect">
             <a:avLst/>
           </a:prstGeom>
-          <a:solidFill>
-            <a:srgbClr val="FFFF81"/>
-          </a:solidFill>
+          <a:noFill/>
           <a:ln w="31750">
             <a:solidFill>
-              <a:srgbClr val="666633">
+              <a:schemeClr val="tx1">
                 <a:alpha val="63000"/>
-              </a:srgbClr>
+              </a:schemeClr>
             </a:solidFill>
             <a:headEnd w="lg" len="lg"/>
             <a:tailEnd type="triangle"/>
@@ -3688,306 +3478,40 @@
           <a:lstStyle/>
           <a:p>
             <a:pPr algn="ctr"/>
-            <a:endParaRPr lang="en-US" sz="2400" dirty="0">
-              <a:solidFill>
-                <a:srgbClr val="666633"/>
-              </a:solidFill>
-            </a:endParaRPr>
+            <a:r>
+              <a:rPr lang="en-US" sz="2800" dirty="0"/>
+              <a:t>Method</a:t>
+            </a:r>
           </a:p>
           <a:p>
             <a:pPr algn="ctr"/>
             <a:r>
-              <a:rPr lang="en-US" sz="2400" dirty="0">
-                <a:solidFill>
-                  <a:srgbClr val="666633"/>
-                </a:solidFill>
-              </a:rPr>
-              <a:t>Method Invocation</a:t>
-            </a:r>
-          </a:p>
-          <a:p>
-            <a:pPr algn="ctr"/>
-            <a:r>
-              <a:rPr lang="en-US" sz="2400" dirty="0">
-                <a:solidFill>
-                  <a:srgbClr val="666633"/>
-                </a:solidFill>
-              </a:rPr>
-              <a:t>log 1 </a:t>
-            </a:r>
-          </a:p>
-          <a:p>
-            <a:pPr algn="ctr"/>
-            <a:endParaRPr lang="en-US" sz="2400" dirty="0">
-              <a:solidFill>
-                <a:srgbClr val="666633"/>
-              </a:solidFill>
-            </a:endParaRPr>
-          </a:p>
-        </p:txBody>
-      </p:sp>
-      <p:cxnSp>
-        <p:nvCxnSpPr>
-          <p:cNvPr id="2169" name="Straight Arrow Connector 2168"/>
-          <p:cNvCxnSpPr>
-            <a:stCxn id="48" idx="3"/>
-            <a:endCxn id="2117" idx="1"/>
-          </p:cNvCxnSpPr>
-          <p:nvPr/>
-        </p:nvCxnSpPr>
-        <p:spPr>
-          <a:xfrm>
-            <a:off x="2053583" y="1378243"/>
-            <a:ext cx="9495707" cy="34909"/>
-          </a:xfrm>
-          <a:prstGeom prst="straightConnector1">
-            <a:avLst/>
-          </a:prstGeom>
-          <a:ln w="28575">
-            <a:solidFill>
-              <a:schemeClr val="bg2">
-                <a:lumMod val="50000"/>
-              </a:schemeClr>
-            </a:solidFill>
-            <a:prstDash val="dash"/>
-            <a:headEnd type="triangle"/>
-            <a:tailEnd type="triangle"/>
-          </a:ln>
-        </p:spPr>
-        <p:style>
-          <a:lnRef idx="1">
-            <a:schemeClr val="accent1"/>
-          </a:lnRef>
-          <a:fillRef idx="0">
-            <a:schemeClr val="accent1"/>
-          </a:fillRef>
-          <a:effectRef idx="0">
-            <a:schemeClr val="accent1"/>
-          </a:effectRef>
-          <a:fontRef idx="minor">
-            <a:schemeClr val="tx1"/>
-          </a:fontRef>
-        </p:style>
-      </p:cxnSp>
-      <p:cxnSp>
-        <p:nvCxnSpPr>
-          <p:cNvPr id="230" name="Straight Arrow Connector 229"/>
-          <p:cNvCxnSpPr/>
-          <p:nvPr/>
-        </p:nvCxnSpPr>
-        <p:spPr>
-          <a:xfrm>
-            <a:off x="7851099" y="3799101"/>
-            <a:ext cx="8375264" cy="90251"/>
-          </a:xfrm>
-          <a:prstGeom prst="straightConnector1">
-            <a:avLst/>
-          </a:prstGeom>
-          <a:ln w="28575">
-            <a:solidFill>
-              <a:schemeClr val="bg2">
-                <a:lumMod val="50000"/>
-              </a:schemeClr>
-            </a:solidFill>
-            <a:prstDash val="dash"/>
-            <a:headEnd type="triangle"/>
-            <a:tailEnd type="triangle"/>
-          </a:ln>
-        </p:spPr>
-        <p:style>
-          <a:lnRef idx="1">
-            <a:schemeClr val="accent1"/>
-          </a:lnRef>
-          <a:fillRef idx="0">
-            <a:schemeClr val="accent1"/>
-          </a:fillRef>
-          <a:effectRef idx="0">
-            <a:schemeClr val="accent1"/>
-          </a:effectRef>
-          <a:fontRef idx="minor">
-            <a:schemeClr val="tx1"/>
-          </a:fontRef>
-        </p:style>
-      </p:cxnSp>
-      <p:sp>
-        <p:nvSpPr>
-          <p:cNvPr id="67" name="Rectangle 66"/>
+              <a:rPr lang="en-US" sz="2800" dirty="0"/>
+              <a:t> Declaration 2</a:t>
+            </a:r>
+          </a:p>
+        </p:txBody>
+      </p:sp>
+      <p:sp>
+        <p:nvSpPr>
+          <p:cNvPr id="127" name="Rounded Rectangle 126"/>
           <p:cNvSpPr/>
           <p:nvPr/>
         </p:nvSpPr>
         <p:spPr>
           <a:xfrm>
-            <a:off x="1607157" y="7763244"/>
-            <a:ext cx="6615634" cy="743215"/>
-          </a:xfrm>
-          <a:prstGeom prst="rect">
-            <a:avLst/>
-          </a:prstGeom>
-          <a:ln w="28575">
-            <a:solidFill>
-              <a:schemeClr val="bg2">
-                <a:lumMod val="50000"/>
-              </a:schemeClr>
-            </a:solidFill>
-            <a:prstDash val="solid"/>
-            <a:headEnd type="triangle"/>
-            <a:tailEnd type="triangle"/>
-          </a:ln>
-        </p:spPr>
-        <p:style>
-          <a:lnRef idx="1">
-            <a:schemeClr val="accent1"/>
-          </a:lnRef>
-          <a:fillRef idx="0">
-            <a:schemeClr val="accent1"/>
-          </a:fillRef>
-          <a:effectRef idx="0">
-            <a:schemeClr val="accent1"/>
-          </a:effectRef>
-          <a:fontRef idx="minor">
-            <a:schemeClr val="tx1"/>
-          </a:fontRef>
-        </p:style>
-        <p:txBody>
-          <a:bodyPr rtlCol="0" anchor="ctr"/>
-          <a:lstStyle/>
-          <a:p>
-            <a:pPr algn="ctr"/>
-            <a:r>
-              <a:rPr lang="en-US" sz="2400" dirty="0">
-                <a:ln>
-                  <a:solidFill>
-                    <a:schemeClr val="bg2">
-                      <a:lumMod val="50000"/>
-                    </a:schemeClr>
-                  </a:solidFill>
-                </a:ln>
-                <a:solidFill>
-                  <a:srgbClr val="666633"/>
-                </a:solidFill>
-              </a:rPr>
-              <a:t>                          </a:t>
-            </a:r>
-            <a:r>
-              <a:rPr lang="en-US" sz="2000" dirty="0">
-                <a:solidFill>
-                  <a:schemeClr val="bg2">
-                    <a:lumMod val="50000"/>
-                  </a:schemeClr>
-                </a:solidFill>
-              </a:rPr>
-              <a:t>Correspondence Connection (</a:t>
-            </a:r>
-            <a:r>
-              <a:rPr lang="en-US" sz="2000" dirty="0" err="1">
-                <a:solidFill>
-                  <a:schemeClr val="bg2">
-                    <a:lumMod val="50000"/>
-                  </a:schemeClr>
-                </a:solidFill>
-              </a:rPr>
-              <a:t>nodeA</a:t>
-            </a:r>
-            <a:r>
-              <a:rPr lang="en-US" sz="2000" dirty="0">
-                <a:solidFill>
-                  <a:schemeClr val="bg2">
-                    <a:lumMod val="50000"/>
-                  </a:schemeClr>
-                </a:solidFill>
-              </a:rPr>
-              <a:t>, </a:t>
-            </a:r>
-            <a:r>
-              <a:rPr lang="en-US" sz="2000" dirty="0" err="1">
-                <a:solidFill>
-                  <a:schemeClr val="bg2">
-                    <a:lumMod val="50000"/>
-                  </a:schemeClr>
-                </a:solidFill>
-              </a:rPr>
-              <a:t>nodeB</a:t>
-            </a:r>
-            <a:r>
-              <a:rPr lang="en-US" sz="2000" dirty="0">
-                <a:ln>
-                  <a:solidFill>
-                    <a:schemeClr val="bg2">
-                      <a:lumMod val="50000"/>
-                    </a:schemeClr>
-                  </a:solidFill>
-                </a:ln>
-                <a:solidFill>
-                  <a:srgbClr val="666633"/>
-                </a:solidFill>
-              </a:rPr>
-              <a:t>)</a:t>
-            </a:r>
-          </a:p>
-        </p:txBody>
-      </p:sp>
-      <p:cxnSp>
-        <p:nvCxnSpPr>
-          <p:cNvPr id="235" name="Straight Arrow Connector 234"/>
-          <p:cNvCxnSpPr/>
-          <p:nvPr/>
-        </p:nvCxnSpPr>
-        <p:spPr>
-          <a:xfrm>
-            <a:off x="1862536" y="8134851"/>
-            <a:ext cx="1305239" cy="0"/>
-          </a:xfrm>
-          <a:prstGeom prst="straightConnector1">
-            <a:avLst/>
-          </a:prstGeom>
-          <a:ln w="28575">
-            <a:solidFill>
-              <a:schemeClr val="bg2">
-                <a:lumMod val="50000"/>
-              </a:schemeClr>
-            </a:solidFill>
-            <a:prstDash val="dash"/>
-            <a:headEnd type="triangle"/>
-            <a:tailEnd type="triangle"/>
-          </a:ln>
-        </p:spPr>
-        <p:style>
-          <a:lnRef idx="1">
-            <a:schemeClr val="accent1"/>
-          </a:lnRef>
-          <a:fillRef idx="0">
-            <a:schemeClr val="accent1"/>
-          </a:fillRef>
-          <a:effectRef idx="0">
-            <a:schemeClr val="accent1"/>
-          </a:effectRef>
-          <a:fontRef idx="minor">
-            <a:schemeClr val="tx1"/>
-          </a:fontRef>
-        </p:style>
-      </p:cxnSp>
-      <p:sp>
-        <p:nvSpPr>
-          <p:cNvPr id="96" name="Rounded Rectangle 95"/>
-          <p:cNvSpPr/>
-          <p:nvPr/>
-        </p:nvSpPr>
-        <p:spPr>
-          <a:xfrm>
-            <a:off x="16226624" y="4681981"/>
-            <a:ext cx="3460389" cy="843469"/>
+            <a:off x="13006815" y="1669537"/>
+            <a:ext cx="2420471" cy="806824"/>
           </a:xfrm>
           <a:prstGeom prst="roundRect">
             <a:avLst/>
           </a:prstGeom>
-          <a:solidFill>
-            <a:srgbClr val="FFFF81"/>
-          </a:solidFill>
+          <a:noFill/>
           <a:ln w="31750">
             <a:solidFill>
-              <a:srgbClr val="666633">
+              <a:schemeClr val="tx1">
                 <a:alpha val="63000"/>
-              </a:srgbClr>
+              </a:schemeClr>
             </a:solidFill>
             <a:headEnd w="lg" len="lg"/>
             <a:tailEnd type="triangle"/>
@@ -4012,69 +3536,33 @@
           <a:lstStyle/>
           <a:p>
             <a:pPr algn="ctr"/>
-            <a:endParaRPr lang="en-US" sz="2400" dirty="0">
-              <a:solidFill>
-                <a:srgbClr val="666633"/>
-              </a:solidFill>
-            </a:endParaRPr>
-          </a:p>
-          <a:p>
-            <a:pPr algn="ctr"/>
-            <a:r>
-              <a:rPr lang="en-US" sz="2400" dirty="0">
-                <a:solidFill>
-                  <a:srgbClr val="666633"/>
-                </a:solidFill>
-              </a:rPr>
-              <a:t>Method Invocation</a:t>
-            </a:r>
-          </a:p>
-          <a:p>
-            <a:pPr algn="ctr"/>
-            <a:r>
-              <a:rPr lang="en-US" sz="2400" dirty="0">
-                <a:solidFill>
-                  <a:srgbClr val="666633"/>
-                </a:solidFill>
-              </a:rPr>
-              <a:t>log 4</a:t>
-            </a:r>
-          </a:p>
-          <a:p>
-            <a:pPr algn="ctr"/>
-            <a:endParaRPr lang="en-US" sz="2400" dirty="0">
-              <a:solidFill>
-                <a:srgbClr val="666633"/>
-              </a:solidFill>
-            </a:endParaRPr>
-          </a:p>
-        </p:txBody>
-      </p:sp>
-      <p:sp>
-        <p:nvSpPr>
-          <p:cNvPr id="103" name="Rounded Rectangle 102"/>
+            <a:r>
+              <a:rPr lang="en-US" sz="2800" dirty="0"/>
+              <a:t>Block 2</a:t>
+            </a:r>
+          </a:p>
+        </p:txBody>
+      </p:sp>
+      <p:sp>
+        <p:nvSpPr>
+          <p:cNvPr id="129" name="Rounded Rectangle 128"/>
           <p:cNvSpPr/>
           <p:nvPr/>
         </p:nvSpPr>
         <p:spPr>
           <a:xfrm>
-            <a:off x="1991073" y="4634818"/>
-            <a:ext cx="3158327" cy="843469"/>
+            <a:off x="17209025" y="4105975"/>
+            <a:ext cx="2420471" cy="806824"/>
           </a:xfrm>
           <a:prstGeom prst="roundRect">
             <a:avLst/>
           </a:prstGeom>
-          <a:solidFill>
-            <a:schemeClr val="accent6">
-              <a:lumMod val="40000"/>
-              <a:lumOff val="60000"/>
-            </a:schemeClr>
-          </a:solidFill>
+          <a:noFill/>
           <a:ln w="31750">
             <a:solidFill>
-              <a:srgbClr val="666633">
+              <a:schemeClr val="tx1">
                 <a:alpha val="63000"/>
-              </a:srgbClr>
+              </a:schemeClr>
             </a:solidFill>
             <a:headEnd w="lg" len="lg"/>
             <a:tailEnd type="triangle"/>
@@ -4100,49 +3588,36 @@
           <a:p>
             <a:pPr algn="ctr"/>
             <a:r>
-              <a:rPr lang="en-US" sz="2400" dirty="0">
+              <a:rPr lang="en-US" sz="2800" dirty="0">
                 <a:solidFill>
-                  <a:srgbClr val="666633"/>
+                  <a:srgbClr val="C00000"/>
                 </a:solidFill>
               </a:rPr>
-              <a:t>If Statement</a:t>
-            </a:r>
-          </a:p>
-          <a:p>
-            <a:pPr algn="ctr"/>
-            <a:r>
-              <a:rPr lang="en-US" sz="2400" dirty="0">
-                <a:solidFill>
-                  <a:srgbClr val="666633"/>
-                </a:solidFill>
-              </a:rPr>
-              <a:t>if statement 2</a:t>
-            </a:r>
-          </a:p>
-        </p:txBody>
-      </p:sp>
-      <p:sp>
-        <p:nvSpPr>
-          <p:cNvPr id="106" name="Rounded Rectangle 105"/>
+              <a:t>Log Statement 3</a:t>
+            </a:r>
+          </a:p>
+        </p:txBody>
+      </p:sp>
+      <p:sp>
+        <p:nvSpPr>
+          <p:cNvPr id="130" name="Rounded Rectangle 129"/>
           <p:cNvSpPr/>
           <p:nvPr/>
         </p:nvSpPr>
         <p:spPr>
           <a:xfrm>
-            <a:off x="4573284" y="6031594"/>
-            <a:ext cx="3276309" cy="843469"/>
+            <a:off x="15076561" y="2870780"/>
+            <a:ext cx="2420471" cy="806824"/>
           </a:xfrm>
           <a:prstGeom prst="roundRect">
             <a:avLst/>
           </a:prstGeom>
-          <a:solidFill>
-            <a:srgbClr val="FFFF81"/>
-          </a:solidFill>
+          <a:noFill/>
           <a:ln w="31750">
             <a:solidFill>
-              <a:srgbClr val="666633">
+              <a:schemeClr val="tx1">
                 <a:alpha val="63000"/>
-              </a:srgbClr>
+              </a:schemeClr>
             </a:solidFill>
             <a:headEnd w="lg" len="lg"/>
             <a:tailEnd type="triangle"/>
@@ -4167,265 +3642,26 @@
           <a:lstStyle/>
           <a:p>
             <a:pPr algn="ctr"/>
-            <a:endParaRPr lang="en-US" sz="2400" dirty="0">
-              <a:solidFill>
-                <a:srgbClr val="666633"/>
-              </a:solidFill>
-            </a:endParaRPr>
-          </a:p>
-          <a:p>
-            <a:pPr algn="ctr"/>
-            <a:r>
-              <a:rPr lang="en-US" sz="2400" dirty="0">
-                <a:solidFill>
-                  <a:srgbClr val="666633"/>
-                </a:solidFill>
-              </a:rPr>
-              <a:t>Method Invocation</a:t>
-            </a:r>
-          </a:p>
-          <a:p>
-            <a:pPr algn="ctr"/>
-            <a:r>
-              <a:rPr lang="en-US" sz="2400" dirty="0">
-                <a:solidFill>
-                  <a:srgbClr val="666633"/>
-                </a:solidFill>
-              </a:rPr>
-              <a:t>Log 2</a:t>
-            </a:r>
-          </a:p>
-          <a:p>
-            <a:pPr algn="ctr"/>
-            <a:endParaRPr lang="en-US" sz="2400" dirty="0">
-              <a:solidFill>
-                <a:srgbClr val="666633"/>
-              </a:solidFill>
-            </a:endParaRPr>
+            <a:r>
+              <a:rPr lang="en-US" sz="2800" dirty="0"/>
+              <a:t>If Statement 3</a:t>
+            </a:r>
           </a:p>
         </p:txBody>
       </p:sp>
       <p:cxnSp>
         <p:nvCxnSpPr>
-          <p:cNvPr id="112" name="Straight Arrow Connector 111"/>
+          <p:cNvPr id="132" name="Elbow Connector 131"/>
           <p:cNvCxnSpPr>
-            <a:stCxn id="49" idx="3"/>
-            <a:endCxn id="355" idx="1"/>
+            <a:stCxn id="125" idx="2"/>
+            <a:endCxn id="127" idx="1"/>
           </p:cNvCxnSpPr>
           <p:nvPr/>
         </p:nvCxnSpPr>
         <p:spPr>
-          <a:xfrm>
-            <a:off x="5149399" y="2512742"/>
-            <a:ext cx="8078882" cy="68371"/>
-          </a:xfrm>
-          <a:prstGeom prst="straightConnector1">
-            <a:avLst/>
-          </a:prstGeom>
-          <a:ln w="28575">
-            <a:solidFill>
-              <a:schemeClr val="bg2">
-                <a:lumMod val="50000"/>
-              </a:schemeClr>
-            </a:solidFill>
-            <a:prstDash val="dash"/>
-            <a:headEnd type="triangle"/>
-            <a:tailEnd type="triangle"/>
-          </a:ln>
-        </p:spPr>
-        <p:style>
-          <a:lnRef idx="1">
-            <a:schemeClr val="accent1"/>
-          </a:lnRef>
-          <a:fillRef idx="0">
-            <a:schemeClr val="accent1"/>
-          </a:fillRef>
-          <a:effectRef idx="0">
-            <a:schemeClr val="accent1"/>
-          </a:effectRef>
-          <a:fontRef idx="minor">
-            <a:schemeClr val="tx1"/>
-          </a:fontRef>
-        </p:style>
-      </p:cxnSp>
-      <p:cxnSp>
-        <p:nvCxnSpPr>
-          <p:cNvPr id="114" name="Straight Arrow Connector 113"/>
-          <p:cNvCxnSpPr/>
-          <p:nvPr/>
-        </p:nvCxnSpPr>
-        <p:spPr>
-          <a:xfrm flipV="1">
-            <a:off x="7873998" y="3863179"/>
-            <a:ext cx="8377030" cy="2571331"/>
-          </a:xfrm>
-          <a:prstGeom prst="straightConnector1">
-            <a:avLst/>
-          </a:prstGeom>
-          <a:ln w="28575">
-            <a:solidFill>
-              <a:schemeClr val="bg2">
-                <a:lumMod val="50000"/>
-              </a:schemeClr>
-            </a:solidFill>
-            <a:prstDash val="dash"/>
-            <a:headEnd type="triangle"/>
-            <a:tailEnd type="triangle"/>
-          </a:ln>
-        </p:spPr>
-        <p:style>
-          <a:lnRef idx="1">
-            <a:schemeClr val="accent1"/>
-          </a:lnRef>
-          <a:fillRef idx="0">
-            <a:schemeClr val="accent1"/>
-          </a:fillRef>
-          <a:effectRef idx="0">
-            <a:schemeClr val="accent1"/>
-          </a:effectRef>
-          <a:fontRef idx="minor">
-            <a:schemeClr val="tx1"/>
-          </a:fontRef>
-        </p:style>
-      </p:cxnSp>
-      <p:cxnSp>
-        <p:nvCxnSpPr>
-          <p:cNvPr id="117" name="Straight Arrow Connector 116"/>
-          <p:cNvCxnSpPr>
-            <a:stCxn id="103" idx="3"/>
-            <a:endCxn id="355" idx="1"/>
-          </p:cNvCxnSpPr>
-          <p:nvPr/>
-        </p:nvCxnSpPr>
-        <p:spPr>
-          <a:xfrm flipV="1">
-            <a:off x="5149399" y="2581112"/>
-            <a:ext cx="8078882" cy="2475440"/>
-          </a:xfrm>
-          <a:prstGeom prst="straightConnector1">
-            <a:avLst/>
-          </a:prstGeom>
-          <a:ln w="28575">
-            <a:solidFill>
-              <a:schemeClr val="bg2">
-                <a:lumMod val="50000"/>
-              </a:schemeClr>
-            </a:solidFill>
-            <a:prstDash val="dash"/>
-            <a:headEnd type="triangle"/>
-            <a:tailEnd type="triangle"/>
-          </a:ln>
-        </p:spPr>
-        <p:style>
-          <a:lnRef idx="1">
-            <a:schemeClr val="accent1"/>
-          </a:lnRef>
-          <a:fillRef idx="0">
-            <a:schemeClr val="accent1"/>
-          </a:fillRef>
-          <a:effectRef idx="0">
-            <a:schemeClr val="accent1"/>
-          </a:effectRef>
-          <a:fontRef idx="minor">
-            <a:schemeClr val="tx1"/>
-          </a:fontRef>
-        </p:style>
-      </p:cxnSp>
-      <p:cxnSp>
-        <p:nvCxnSpPr>
-          <p:cNvPr id="120" name="Straight Arrow Connector 119"/>
-          <p:cNvCxnSpPr>
-            <a:stCxn id="106" idx="3"/>
-            <a:endCxn id="96" idx="1"/>
-          </p:cNvCxnSpPr>
-          <p:nvPr/>
-        </p:nvCxnSpPr>
-        <p:spPr>
-          <a:xfrm flipV="1">
-            <a:off x="7849591" y="5103716"/>
-            <a:ext cx="8377030" cy="1349613"/>
-          </a:xfrm>
-          <a:prstGeom prst="straightConnector1">
-            <a:avLst/>
-          </a:prstGeom>
-          <a:ln w="28575">
-            <a:solidFill>
-              <a:schemeClr val="bg2">
-                <a:lumMod val="50000"/>
-              </a:schemeClr>
-            </a:solidFill>
-            <a:prstDash val="dash"/>
-            <a:headEnd type="triangle"/>
-            <a:tailEnd type="triangle"/>
-          </a:ln>
-        </p:spPr>
-        <p:style>
-          <a:lnRef idx="1">
-            <a:schemeClr val="accent1"/>
-          </a:lnRef>
-          <a:fillRef idx="0">
-            <a:schemeClr val="accent1"/>
-          </a:fillRef>
-          <a:effectRef idx="0">
-            <a:schemeClr val="accent1"/>
-          </a:effectRef>
-          <a:fontRef idx="minor">
-            <a:schemeClr val="tx1"/>
-          </a:fontRef>
-        </p:style>
-      </p:cxnSp>
-      <p:cxnSp>
-        <p:nvCxnSpPr>
-          <p:cNvPr id="124" name="Straight Arrow Connector 123"/>
-          <p:cNvCxnSpPr>
-            <a:stCxn id="69" idx="3"/>
-          </p:cNvCxnSpPr>
-          <p:nvPr/>
-        </p:nvCxnSpPr>
-        <p:spPr>
-          <a:xfrm>
-            <a:off x="7851360" y="3791746"/>
-            <a:ext cx="8435099" cy="1330788"/>
-          </a:xfrm>
-          <a:prstGeom prst="straightConnector1">
-            <a:avLst/>
-          </a:prstGeom>
-          <a:ln w="28575">
-            <a:solidFill>
-              <a:schemeClr val="bg2">
-                <a:lumMod val="50000"/>
-              </a:schemeClr>
-            </a:solidFill>
-            <a:prstDash val="dash"/>
-            <a:headEnd type="triangle"/>
-            <a:tailEnd type="triangle"/>
-          </a:ln>
-        </p:spPr>
-        <p:style>
-          <a:lnRef idx="1">
-            <a:schemeClr val="accent1"/>
-          </a:lnRef>
-          <a:fillRef idx="0">
-            <a:schemeClr val="accent1"/>
-          </a:fillRef>
-          <a:effectRef idx="0">
-            <a:schemeClr val="accent1"/>
-          </a:effectRef>
-          <a:fontRef idx="minor">
-            <a:schemeClr val="tx1"/>
-          </a:fontRef>
-        </p:style>
-      </p:cxnSp>
-      <p:cxnSp>
-        <p:nvCxnSpPr>
-          <p:cNvPr id="31" name="Elbow Connector 30"/>
-          <p:cNvCxnSpPr/>
-          <p:nvPr/>
-        </p:nvCxnSpPr>
-        <p:spPr>
           <a:xfrm rot="16200000" flipH="1">
-            <a:off x="330315" y="3378208"/>
-            <a:ext cx="2587303" cy="769384"/>
+            <a:off x="12235305" y="1301438"/>
+            <a:ext cx="746159" cy="796862"/>
           </a:xfrm>
           <a:prstGeom prst="bentConnector2">
             <a:avLst/>
@@ -4438,11 +3674,771 @@
           </a:solidFill>
           <a:ln w="31750">
             <a:solidFill>
-              <a:srgbClr val="666633">
+              <a:schemeClr val="tx1">
                 <a:alpha val="63000"/>
-              </a:srgbClr>
+              </a:schemeClr>
             </a:solidFill>
             <a:headEnd w="lg" len="lg"/>
+            <a:tailEnd type="triangle"/>
+          </a:ln>
+        </p:spPr>
+        <p:style>
+          <a:lnRef idx="1">
+            <a:schemeClr val="accent1"/>
+          </a:lnRef>
+          <a:fillRef idx="0">
+            <a:schemeClr val="accent1"/>
+          </a:fillRef>
+          <a:effectRef idx="0">
+            <a:schemeClr val="accent1"/>
+          </a:effectRef>
+          <a:fontRef idx="minor">
+            <a:schemeClr val="tx1"/>
+          </a:fontRef>
+        </p:style>
+      </p:cxnSp>
+      <p:cxnSp>
+        <p:nvCxnSpPr>
+          <p:cNvPr id="134" name="Elbow Connector 133"/>
+          <p:cNvCxnSpPr>
+            <a:stCxn id="130" idx="2"/>
+            <a:endCxn id="129" idx="1"/>
+          </p:cNvCxnSpPr>
+          <p:nvPr/>
+        </p:nvCxnSpPr>
+        <p:spPr>
+          <a:xfrm rot="16200000" flipH="1">
+            <a:off x="16332020" y="3632381"/>
+            <a:ext cx="831783" cy="922228"/>
+          </a:xfrm>
+          <a:prstGeom prst="bentConnector2">
+            <a:avLst/>
+          </a:prstGeom>
+          <a:solidFill>
+            <a:schemeClr val="accent6">
+              <a:lumMod val="40000"/>
+              <a:lumOff val="60000"/>
+            </a:schemeClr>
+          </a:solidFill>
+          <a:ln w="31750">
+            <a:solidFill>
+              <a:schemeClr val="tx1">
+                <a:alpha val="63000"/>
+              </a:schemeClr>
+            </a:solidFill>
+            <a:headEnd w="lg" len="lg"/>
+            <a:tailEnd type="triangle"/>
+          </a:ln>
+        </p:spPr>
+        <p:style>
+          <a:lnRef idx="1">
+            <a:schemeClr val="accent1"/>
+          </a:lnRef>
+          <a:fillRef idx="0">
+            <a:schemeClr val="accent1"/>
+          </a:fillRef>
+          <a:effectRef idx="0">
+            <a:schemeClr val="accent1"/>
+          </a:effectRef>
+          <a:fontRef idx="minor">
+            <a:schemeClr val="tx1"/>
+          </a:fontRef>
+        </p:style>
+      </p:cxnSp>
+      <p:cxnSp>
+        <p:nvCxnSpPr>
+          <p:cNvPr id="139" name="Elbow Connector 138"/>
+          <p:cNvCxnSpPr>
+            <a:stCxn id="127" idx="2"/>
+            <a:endCxn id="130" idx="1"/>
+          </p:cNvCxnSpPr>
+          <p:nvPr/>
+        </p:nvCxnSpPr>
+        <p:spPr>
+          <a:xfrm rot="16200000" flipH="1">
+            <a:off x="14247891" y="2445521"/>
+            <a:ext cx="797831" cy="859510"/>
+          </a:xfrm>
+          <a:prstGeom prst="bentConnector2">
+            <a:avLst/>
+          </a:prstGeom>
+          <a:solidFill>
+            <a:schemeClr val="accent6">
+              <a:lumMod val="40000"/>
+              <a:lumOff val="60000"/>
+            </a:schemeClr>
+          </a:solidFill>
+          <a:ln w="31750">
+            <a:solidFill>
+              <a:schemeClr val="tx1">
+                <a:alpha val="63000"/>
+              </a:schemeClr>
+            </a:solidFill>
+            <a:headEnd w="lg" len="lg"/>
+            <a:tailEnd type="triangle"/>
+          </a:ln>
+        </p:spPr>
+        <p:style>
+          <a:lnRef idx="1">
+            <a:schemeClr val="accent1"/>
+          </a:lnRef>
+          <a:fillRef idx="0">
+            <a:schemeClr val="accent1"/>
+          </a:fillRef>
+          <a:effectRef idx="0">
+            <a:schemeClr val="accent1"/>
+          </a:effectRef>
+          <a:fontRef idx="minor">
+            <a:schemeClr val="tx1"/>
+          </a:fontRef>
+        </p:style>
+      </p:cxnSp>
+      <p:cxnSp>
+        <p:nvCxnSpPr>
+          <p:cNvPr id="3" name="Straight Arrow Connector 2"/>
+          <p:cNvCxnSpPr>
+            <a:stCxn id="51" idx="3"/>
+            <a:endCxn id="125" idx="1"/>
+          </p:cNvCxnSpPr>
+          <p:nvPr/>
+        </p:nvCxnSpPr>
+        <p:spPr>
+          <a:xfrm>
+            <a:off x="2948136" y="923378"/>
+            <a:ext cx="8051581" cy="0"/>
+          </a:xfrm>
+          <a:prstGeom prst="straightConnector1">
+            <a:avLst/>
+          </a:prstGeom>
+          <a:ln w="28575">
+            <a:solidFill>
+              <a:schemeClr val="bg2">
+                <a:lumMod val="75000"/>
+              </a:schemeClr>
+            </a:solidFill>
+            <a:prstDash val="lgDash"/>
+            <a:headEnd type="triangle"/>
+            <a:tailEnd type="triangle"/>
+          </a:ln>
+        </p:spPr>
+        <p:style>
+          <a:lnRef idx="1">
+            <a:schemeClr val="accent1"/>
+          </a:lnRef>
+          <a:fillRef idx="0">
+            <a:schemeClr val="accent1"/>
+          </a:fillRef>
+          <a:effectRef idx="0">
+            <a:schemeClr val="accent1"/>
+          </a:effectRef>
+          <a:fontRef idx="minor">
+            <a:schemeClr val="tx1"/>
+          </a:fontRef>
+        </p:style>
+      </p:cxnSp>
+      <p:cxnSp>
+        <p:nvCxnSpPr>
+          <p:cNvPr id="34" name="Straight Arrow Connector 33"/>
+          <p:cNvCxnSpPr/>
+          <p:nvPr/>
+        </p:nvCxnSpPr>
+        <p:spPr>
+          <a:xfrm>
+            <a:off x="4985118" y="2019815"/>
+            <a:ext cx="8051581" cy="87086"/>
+          </a:xfrm>
+          <a:prstGeom prst="straightConnector1">
+            <a:avLst/>
+          </a:prstGeom>
+          <a:ln w="28575">
+            <a:solidFill>
+              <a:schemeClr val="bg2">
+                <a:lumMod val="75000"/>
+              </a:schemeClr>
+            </a:solidFill>
+            <a:prstDash val="lgDash"/>
+            <a:headEnd type="triangle"/>
+            <a:tailEnd type="triangle"/>
+          </a:ln>
+        </p:spPr>
+        <p:style>
+          <a:lnRef idx="1">
+            <a:schemeClr val="accent1"/>
+          </a:lnRef>
+          <a:fillRef idx="0">
+            <a:schemeClr val="accent1"/>
+          </a:fillRef>
+          <a:effectRef idx="0">
+            <a:schemeClr val="accent1"/>
+          </a:effectRef>
+          <a:fontRef idx="minor">
+            <a:schemeClr val="tx1"/>
+          </a:fontRef>
+        </p:style>
+      </p:cxnSp>
+      <p:cxnSp>
+        <p:nvCxnSpPr>
+          <p:cNvPr id="37" name="Straight Arrow Connector 36"/>
+          <p:cNvCxnSpPr>
+            <a:stCxn id="59" idx="3"/>
+            <a:endCxn id="129" idx="1"/>
+          </p:cNvCxnSpPr>
+          <p:nvPr/>
+        </p:nvCxnSpPr>
+        <p:spPr>
+          <a:xfrm flipV="1">
+            <a:off x="9010908" y="4509387"/>
+            <a:ext cx="8198117" cy="2437370"/>
+          </a:xfrm>
+          <a:prstGeom prst="straightConnector1">
+            <a:avLst/>
+          </a:prstGeom>
+          <a:ln w="28575">
+            <a:solidFill>
+              <a:schemeClr val="bg2">
+                <a:lumMod val="75000"/>
+              </a:schemeClr>
+            </a:solidFill>
+            <a:prstDash val="lgDash"/>
+            <a:headEnd type="triangle"/>
+            <a:tailEnd type="triangle"/>
+          </a:ln>
+        </p:spPr>
+        <p:style>
+          <a:lnRef idx="1">
+            <a:schemeClr val="accent1"/>
+          </a:lnRef>
+          <a:fillRef idx="0">
+            <a:schemeClr val="accent1"/>
+          </a:fillRef>
+          <a:effectRef idx="0">
+            <a:schemeClr val="accent1"/>
+          </a:effectRef>
+          <a:fontRef idx="minor">
+            <a:schemeClr val="tx1"/>
+          </a:fontRef>
+        </p:style>
+      </p:cxnSp>
+      <p:cxnSp>
+        <p:nvCxnSpPr>
+          <p:cNvPr id="38" name="Straight Arrow Connector 37"/>
+          <p:cNvCxnSpPr>
+            <a:stCxn id="57" idx="3"/>
+            <a:endCxn id="130" idx="1"/>
+          </p:cNvCxnSpPr>
+          <p:nvPr/>
+        </p:nvCxnSpPr>
+        <p:spPr>
+          <a:xfrm>
+            <a:off x="7054866" y="3274192"/>
+            <a:ext cx="8021694" cy="0"/>
+          </a:xfrm>
+          <a:prstGeom prst="straightConnector1">
+            <a:avLst/>
+          </a:prstGeom>
+          <a:ln w="28575">
+            <a:solidFill>
+              <a:schemeClr val="bg2">
+                <a:lumMod val="75000"/>
+              </a:schemeClr>
+            </a:solidFill>
+            <a:prstDash val="lgDash"/>
+            <a:headEnd type="triangle"/>
+            <a:tailEnd type="triangle"/>
+          </a:ln>
+        </p:spPr>
+        <p:style>
+          <a:lnRef idx="1">
+            <a:schemeClr val="accent1"/>
+          </a:lnRef>
+          <a:fillRef idx="0">
+            <a:schemeClr val="accent1"/>
+          </a:fillRef>
+          <a:effectRef idx="0">
+            <a:schemeClr val="accent1"/>
+          </a:effectRef>
+          <a:fontRef idx="minor">
+            <a:schemeClr val="tx1"/>
+          </a:fontRef>
+        </p:style>
+      </p:cxnSp>
+      <p:cxnSp>
+        <p:nvCxnSpPr>
+          <p:cNvPr id="41" name="Straight Arrow Connector 40"/>
+          <p:cNvCxnSpPr>
+            <a:stCxn id="58" idx="3"/>
+          </p:cNvCxnSpPr>
+          <p:nvPr/>
+        </p:nvCxnSpPr>
+        <p:spPr>
+          <a:xfrm flipV="1">
+            <a:off x="7057811" y="3293501"/>
+            <a:ext cx="7889112" cy="2418148"/>
+          </a:xfrm>
+          <a:prstGeom prst="straightConnector1">
+            <a:avLst/>
+          </a:prstGeom>
+          <a:ln w="28575">
+            <a:solidFill>
+              <a:schemeClr val="bg2">
+                <a:lumMod val="75000"/>
+              </a:schemeClr>
+            </a:solidFill>
+            <a:prstDash val="lgDash"/>
+            <a:headEnd type="triangle"/>
+            <a:tailEnd type="triangle"/>
+          </a:ln>
+        </p:spPr>
+        <p:style>
+          <a:lnRef idx="1">
+            <a:schemeClr val="accent1"/>
+          </a:lnRef>
+          <a:fillRef idx="0">
+            <a:schemeClr val="accent1"/>
+          </a:fillRef>
+          <a:effectRef idx="0">
+            <a:schemeClr val="accent1"/>
+          </a:effectRef>
+          <a:fontRef idx="minor">
+            <a:schemeClr val="tx1"/>
+          </a:fontRef>
+        </p:style>
+      </p:cxnSp>
+      <p:cxnSp>
+        <p:nvCxnSpPr>
+          <p:cNvPr id="44" name="Straight Arrow Connector 43"/>
+          <p:cNvCxnSpPr>
+            <a:stCxn id="69" idx="3"/>
+          </p:cNvCxnSpPr>
+          <p:nvPr/>
+        </p:nvCxnSpPr>
+        <p:spPr>
+          <a:xfrm>
+            <a:off x="9016537" y="4509388"/>
+            <a:ext cx="8142839" cy="1202547"/>
+          </a:xfrm>
+          <a:prstGeom prst="straightConnector1">
+            <a:avLst/>
+          </a:prstGeom>
+          <a:ln w="28575">
+            <a:solidFill>
+              <a:schemeClr val="bg2">
+                <a:lumMod val="75000"/>
+              </a:schemeClr>
+            </a:solidFill>
+            <a:prstDash val="lgDash"/>
+            <a:headEnd type="triangle"/>
+            <a:tailEnd type="triangle"/>
+          </a:ln>
+        </p:spPr>
+        <p:style>
+          <a:lnRef idx="1">
+            <a:schemeClr val="accent1"/>
+          </a:lnRef>
+          <a:fillRef idx="0">
+            <a:schemeClr val="accent1"/>
+          </a:fillRef>
+          <a:effectRef idx="0">
+            <a:schemeClr val="accent1"/>
+          </a:effectRef>
+          <a:fontRef idx="minor">
+            <a:schemeClr val="tx1"/>
+          </a:fontRef>
+        </p:style>
+      </p:cxnSp>
+      <p:sp>
+        <p:nvSpPr>
+          <p:cNvPr id="48" name="Rounded Rectangle 47"/>
+          <p:cNvSpPr/>
+          <p:nvPr/>
+        </p:nvSpPr>
+        <p:spPr>
+          <a:xfrm>
+            <a:off x="1442387" y="8055750"/>
+            <a:ext cx="8594250" cy="806824"/>
+          </a:xfrm>
+          <a:prstGeom prst="roundRect">
+            <a:avLst/>
+          </a:prstGeom>
+          <a:noFill/>
+          <a:ln w="31750">
+            <a:solidFill>
+              <a:schemeClr val="tx1">
+                <a:lumMod val="65000"/>
+                <a:lumOff val="35000"/>
+                <a:alpha val="63000"/>
+              </a:schemeClr>
+            </a:solidFill>
+            <a:headEnd w="lg" len="lg"/>
+            <a:tailEnd type="triangle"/>
+          </a:ln>
+        </p:spPr>
+        <p:style>
+          <a:lnRef idx="1">
+            <a:schemeClr val="accent1"/>
+          </a:lnRef>
+          <a:fillRef idx="0">
+            <a:schemeClr val="accent1"/>
+          </a:fillRef>
+          <a:effectRef idx="0">
+            <a:schemeClr val="accent1"/>
+          </a:effectRef>
+          <a:fontRef idx="minor">
+            <a:schemeClr val="tx1"/>
+          </a:fontRef>
+        </p:style>
+        <p:txBody>
+          <a:bodyPr rtlCol="0" anchor="ctr"/>
+          <a:lstStyle/>
+          <a:p>
+            <a:pPr algn="ctr"/>
+            <a:endParaRPr lang="en-US" sz="2800" dirty="0"/>
+          </a:p>
+          <a:p>
+            <a:pPr algn="ctr"/>
+            <a:r>
+              <a:rPr lang="en-US" sz="2800" dirty="0"/>
+              <a:t>                Correspondence Connection (</a:t>
+            </a:r>
+            <a:r>
+              <a:rPr lang="en-US" sz="2800" dirty="0" err="1"/>
+              <a:t>nodeA,nodeB</a:t>
+            </a:r>
+            <a:r>
+              <a:rPr lang="en-US" sz="2800" dirty="0"/>
+              <a:t>) </a:t>
+            </a:r>
+          </a:p>
+          <a:p>
+            <a:pPr algn="ctr"/>
+            <a:endParaRPr lang="en-US" sz="2800" dirty="0"/>
+          </a:p>
+        </p:txBody>
+      </p:sp>
+      <p:cxnSp>
+        <p:nvCxnSpPr>
+          <p:cNvPr id="49" name="Straight Arrow Connector 48"/>
+          <p:cNvCxnSpPr/>
+          <p:nvPr/>
+        </p:nvCxnSpPr>
+        <p:spPr>
+          <a:xfrm>
+            <a:off x="1867718" y="8480378"/>
+            <a:ext cx="1047041" cy="0"/>
+          </a:xfrm>
+          <a:prstGeom prst="straightConnector1">
+            <a:avLst/>
+          </a:prstGeom>
+          <a:ln w="28575">
+            <a:solidFill>
+              <a:schemeClr val="bg2">
+                <a:lumMod val="75000"/>
+              </a:schemeClr>
+            </a:solidFill>
+            <a:prstDash val="lgDash"/>
+            <a:headEnd type="triangle"/>
+            <a:tailEnd type="triangle"/>
+          </a:ln>
+        </p:spPr>
+        <p:style>
+          <a:lnRef idx="1">
+            <a:schemeClr val="accent1"/>
+          </a:lnRef>
+          <a:fillRef idx="0">
+            <a:schemeClr val="accent1"/>
+          </a:fillRef>
+          <a:effectRef idx="0">
+            <a:schemeClr val="accent1"/>
+          </a:effectRef>
+          <a:fontRef idx="minor">
+            <a:schemeClr val="tx1"/>
+          </a:fontRef>
+        </p:style>
+      </p:cxnSp>
+      <p:sp>
+        <p:nvSpPr>
+          <p:cNvPr id="58" name="Rounded Rectangle 57"/>
+          <p:cNvSpPr/>
+          <p:nvPr/>
+        </p:nvSpPr>
+        <p:spPr>
+          <a:xfrm>
+            <a:off x="4637341" y="5308237"/>
+            <a:ext cx="2420471" cy="806824"/>
+          </a:xfrm>
+          <a:prstGeom prst="roundRect">
+            <a:avLst/>
+          </a:prstGeom>
+          <a:noFill/>
+          <a:ln w="31750">
+            <a:solidFill>
+              <a:schemeClr val="tx1">
+                <a:alpha val="63000"/>
+              </a:schemeClr>
+            </a:solidFill>
+            <a:headEnd w="lg" len="lg"/>
+            <a:tailEnd type="triangle"/>
+          </a:ln>
+        </p:spPr>
+        <p:style>
+          <a:lnRef idx="1">
+            <a:schemeClr val="accent1"/>
+          </a:lnRef>
+          <a:fillRef idx="0">
+            <a:schemeClr val="accent1"/>
+          </a:fillRef>
+          <a:effectRef idx="0">
+            <a:schemeClr val="accent1"/>
+          </a:effectRef>
+          <a:fontRef idx="minor">
+            <a:schemeClr val="tx1"/>
+          </a:fontRef>
+        </p:style>
+        <p:txBody>
+          <a:bodyPr rtlCol="0" anchor="ctr"/>
+          <a:lstStyle/>
+          <a:p>
+            <a:pPr algn="ctr"/>
+            <a:r>
+              <a:rPr lang="en-US" sz="2800" dirty="0"/>
+              <a:t>If Statement 2</a:t>
+            </a:r>
+          </a:p>
+        </p:txBody>
+      </p:sp>
+      <p:sp>
+        <p:nvSpPr>
+          <p:cNvPr id="59" name="Rounded Rectangle 58"/>
+          <p:cNvSpPr/>
+          <p:nvPr/>
+        </p:nvSpPr>
+        <p:spPr>
+          <a:xfrm>
+            <a:off x="6590437" y="6543345"/>
+            <a:ext cx="2420471" cy="806824"/>
+          </a:xfrm>
+          <a:prstGeom prst="roundRect">
+            <a:avLst/>
+          </a:prstGeom>
+          <a:noFill/>
+          <a:ln w="31750">
+            <a:solidFill>
+              <a:schemeClr val="tx1">
+                <a:alpha val="63000"/>
+              </a:schemeClr>
+            </a:solidFill>
+            <a:headEnd w="lg" len="lg"/>
+            <a:tailEnd type="triangle"/>
+          </a:ln>
+        </p:spPr>
+        <p:style>
+          <a:lnRef idx="1">
+            <a:schemeClr val="accent1"/>
+          </a:lnRef>
+          <a:fillRef idx="0">
+            <a:schemeClr val="accent1"/>
+          </a:fillRef>
+          <a:effectRef idx="0">
+            <a:schemeClr val="accent1"/>
+          </a:effectRef>
+          <a:fontRef idx="minor">
+            <a:schemeClr val="tx1"/>
+          </a:fontRef>
+        </p:style>
+        <p:txBody>
+          <a:bodyPr rtlCol="0" anchor="ctr"/>
+          <a:lstStyle/>
+          <a:p>
+            <a:pPr algn="ctr"/>
+            <a:endParaRPr lang="en-US" sz="2800" dirty="0"/>
+          </a:p>
+          <a:p>
+            <a:pPr algn="ctr"/>
+            <a:r>
+              <a:rPr lang="en-US" sz="2800" dirty="0">
+                <a:solidFill>
+                  <a:srgbClr val="C00000"/>
+                </a:solidFill>
+              </a:rPr>
+              <a:t>Log Statement 2 </a:t>
+            </a:r>
+          </a:p>
+          <a:p>
+            <a:pPr algn="ctr"/>
+            <a:endParaRPr lang="en-US" sz="2800" dirty="0"/>
+          </a:p>
+        </p:txBody>
+      </p:sp>
+      <p:cxnSp>
+        <p:nvCxnSpPr>
+          <p:cNvPr id="60" name="Elbow Connector 59"/>
+          <p:cNvCxnSpPr>
+            <a:stCxn id="58" idx="2"/>
+            <a:endCxn id="59" idx="1"/>
+          </p:cNvCxnSpPr>
+          <p:nvPr/>
+        </p:nvCxnSpPr>
+        <p:spPr>
+          <a:xfrm rot="16200000" flipH="1">
+            <a:off x="5803158" y="6159479"/>
+            <a:ext cx="831696" cy="742860"/>
+          </a:xfrm>
+          <a:prstGeom prst="bentConnector2">
+            <a:avLst/>
+          </a:prstGeom>
+          <a:solidFill>
+            <a:schemeClr val="accent6">
+              <a:lumMod val="40000"/>
+              <a:lumOff val="60000"/>
+            </a:schemeClr>
+          </a:solidFill>
+          <a:ln w="31750">
+            <a:solidFill>
+              <a:schemeClr val="tx1">
+                <a:alpha val="63000"/>
+              </a:schemeClr>
+            </a:solidFill>
+            <a:headEnd w="lg" len="lg"/>
+            <a:tailEnd type="triangle"/>
+          </a:ln>
+        </p:spPr>
+        <p:style>
+          <a:lnRef idx="1">
+            <a:schemeClr val="accent1"/>
+          </a:lnRef>
+          <a:fillRef idx="0">
+            <a:schemeClr val="accent1"/>
+          </a:fillRef>
+          <a:effectRef idx="0">
+            <a:schemeClr val="accent1"/>
+          </a:effectRef>
+          <a:fontRef idx="minor">
+            <a:schemeClr val="tx1"/>
+          </a:fontRef>
+        </p:style>
+      </p:cxnSp>
+      <p:sp>
+        <p:nvSpPr>
+          <p:cNvPr id="67" name="Rounded Rectangle 66"/>
+          <p:cNvSpPr/>
+          <p:nvPr/>
+        </p:nvSpPr>
+        <p:spPr>
+          <a:xfrm>
+            <a:off x="17209025" y="5308237"/>
+            <a:ext cx="2420471" cy="806824"/>
+          </a:xfrm>
+          <a:prstGeom prst="roundRect">
+            <a:avLst/>
+          </a:prstGeom>
+          <a:noFill/>
+          <a:ln w="31750">
+            <a:solidFill>
+              <a:schemeClr val="tx1">
+                <a:alpha val="63000"/>
+              </a:schemeClr>
+            </a:solidFill>
+            <a:headEnd w="lg" len="lg"/>
+            <a:tailEnd type="triangle"/>
+          </a:ln>
+        </p:spPr>
+        <p:style>
+          <a:lnRef idx="1">
+            <a:schemeClr val="accent1"/>
+          </a:lnRef>
+          <a:fillRef idx="0">
+            <a:schemeClr val="accent1"/>
+          </a:fillRef>
+          <a:effectRef idx="0">
+            <a:schemeClr val="accent1"/>
+          </a:effectRef>
+          <a:fontRef idx="minor">
+            <a:schemeClr val="tx1"/>
+          </a:fontRef>
+        </p:style>
+        <p:txBody>
+          <a:bodyPr rtlCol="0" anchor="ctr"/>
+          <a:lstStyle/>
+          <a:p>
+            <a:pPr algn="ctr"/>
+            <a:r>
+              <a:rPr lang="en-US" sz="2800" dirty="0">
+                <a:solidFill>
+                  <a:srgbClr val="C00000"/>
+                </a:solidFill>
+              </a:rPr>
+              <a:t>Log Statement 4</a:t>
+            </a:r>
+          </a:p>
+        </p:txBody>
+      </p:sp>
+      <p:cxnSp>
+        <p:nvCxnSpPr>
+          <p:cNvPr id="96" name="Straight Arrow Connector 95"/>
+          <p:cNvCxnSpPr>
+            <a:stCxn id="69" idx="3"/>
+            <a:endCxn id="129" idx="1"/>
+          </p:cNvCxnSpPr>
+          <p:nvPr/>
+        </p:nvCxnSpPr>
+        <p:spPr>
+          <a:xfrm>
+            <a:off x="9016536" y="4509387"/>
+            <a:ext cx="8192488" cy="0"/>
+          </a:xfrm>
+          <a:prstGeom prst="straightConnector1">
+            <a:avLst/>
+          </a:prstGeom>
+          <a:ln w="28575">
+            <a:solidFill>
+              <a:schemeClr val="bg2">
+                <a:lumMod val="75000"/>
+              </a:schemeClr>
+            </a:solidFill>
+            <a:prstDash val="lgDash"/>
+            <a:headEnd type="triangle"/>
+            <a:tailEnd type="triangle"/>
+          </a:ln>
+        </p:spPr>
+        <p:style>
+          <a:lnRef idx="1">
+            <a:schemeClr val="accent1"/>
+          </a:lnRef>
+          <a:fillRef idx="0">
+            <a:schemeClr val="accent1"/>
+          </a:fillRef>
+          <a:effectRef idx="0">
+            <a:schemeClr val="accent1"/>
+          </a:effectRef>
+          <a:fontRef idx="minor">
+            <a:schemeClr val="tx1"/>
+          </a:fontRef>
+        </p:style>
+      </p:cxnSp>
+      <p:cxnSp>
+        <p:nvCxnSpPr>
+          <p:cNvPr id="99" name="Straight Arrow Connector 98"/>
+          <p:cNvCxnSpPr>
+            <a:stCxn id="59" idx="3"/>
+          </p:cNvCxnSpPr>
+          <p:nvPr/>
+        </p:nvCxnSpPr>
+        <p:spPr>
+          <a:xfrm flipV="1">
+            <a:off x="9010907" y="5695071"/>
+            <a:ext cx="8195302" cy="1251687"/>
+          </a:xfrm>
+          <a:prstGeom prst="straightConnector1">
+            <a:avLst/>
+          </a:prstGeom>
+          <a:ln w="28575">
+            <a:solidFill>
+              <a:schemeClr val="bg2">
+                <a:lumMod val="75000"/>
+              </a:schemeClr>
+            </a:solidFill>
+            <a:prstDash val="lgDash"/>
+            <a:headEnd type="triangle"/>
             <a:tailEnd type="triangle"/>
           </a:ln>
         </p:spPr>
@@ -4517,12 +4513,12 @@
     </a:clrScheme>
     <a:fontScheme name="Office Theme">
       <a:majorFont>
-        <a:latin typeface="Calibri Light" panose="020F0302020204030204"/>
+        <a:latin typeface="Calibri Light"/>
         <a:ea typeface=""/>
         <a:cs typeface=""/>
-        <a:font script="Jpan" typeface="游ゴシック Light"/>
+        <a:font script="Jpan" typeface="ＭＳ Ｐゴシック"/>
         <a:font script="Hang" typeface="맑은 고딕"/>
-        <a:font script="Hans" typeface="等线 Light"/>
+        <a:font script="Hans" typeface="宋体"/>
         <a:font script="Hant" typeface="新細明體"/>
         <a:font script="Arab" typeface="Times New Roman"/>
         <a:font script="Hebr" typeface="Times New Roman"/>
@@ -4552,12 +4548,12 @@
         <a:font script="Geor" typeface="Sylfaen"/>
       </a:majorFont>
       <a:minorFont>
-        <a:latin typeface="Calibri" panose="020F0502020204030204"/>
+        <a:latin typeface="Calibri"/>
         <a:ea typeface=""/>
         <a:cs typeface=""/>
-        <a:font script="Jpan" typeface="游ゴシック"/>
+        <a:font script="Jpan" typeface="ＭＳ Ｐゴシック"/>
         <a:font script="Hang" typeface="맑은 고딕"/>
-        <a:font script="Hans" typeface="等线"/>
+        <a:font script="Hans" typeface="宋体"/>
         <a:font script="Hant" typeface="新細明體"/>
         <a:font script="Arab" typeface="Arial"/>
         <a:font script="Hebr" typeface="Arial"/>
@@ -4729,7 +4725,7 @@
   <a:extraClrSchemeLst/>
   <a:extLst>
     <a:ext uri="{05A4C25C-085E-4340-85A3-A5531E510DB2}">
-      <thm15:themeFamily xmlns:thm15="http://schemas.microsoft.com/office/thememl/2012/main" name="Office Theme" id="{62F939B6-93AF-4DB8-9C6B-D6C7DFDC589F}" vid="{4A3C46E8-61CC-4603-A589-7422A47A8E4A}"/>
+      <thm15:themeFamily xmlns:thm15="http://schemas.microsoft.com/office/thememl/2012/main" xmlns="" name="Office Theme" id="{62F939B6-93AF-4DB8-9C6B-D6C7DFDC589F}" vid="{4A3C46E8-61CC-4603-A589-7422A47A8E4A}"/>
     </a:ext>
   </a:extLst>
 </a:theme>
